--- a/clases/Cap03_Seleccion_de_Caracteristicas/presentations/PAT03_Ejercicio08.pptx
+++ b/clases/Cap03_Seleccion_de_Caracteristicas/presentations/PAT03_Ejercicio08.pptx
@@ -6,6 +6,7 @@
   </p:sldMasterIdLst>
   <p:sldIdLst>
     <p:sldId id="340" r:id="rId2"/>
+    <p:sldId id="341" r:id="rId3"/>
   </p:sldIdLst>
   <p:sldSz cx="12192000" cy="6858000"/>
   <p:notesSz cx="6858000" cy="9144000"/>
@@ -104,6 +105,11 @@
       </a:defRPr>
     </a:lvl9pPr>
   </p:defaultTextStyle>
+  <p:extLst>
+    <p:ext uri="{EFAFB233-063F-42B5-8137-9DF3F51BA10A}">
+      <p15:sldGuideLst xmlns:p15="http://schemas.microsoft.com/office/powerpoint/2012/main"/>
+    </p:ext>
+  </p:extLst>
 </p:presentation>
 </file>
 
@@ -256,7 +262,7 @@
           <a:p>
             <a:fld id="{233E2962-3972-0441-AA79-DE2591D47C81}" type="datetimeFigureOut">
               <a:rPr lang="en-US" smtClean="0"/>
-              <a:t>5/5/21</a:t>
+              <a:t>5/2/22</a:t>
             </a:fld>
             <a:endParaRPr lang="en-US"/>
           </a:p>
@@ -456,7 +462,7 @@
           <a:p>
             <a:fld id="{233E2962-3972-0441-AA79-DE2591D47C81}" type="datetimeFigureOut">
               <a:rPr lang="en-US" smtClean="0"/>
-              <a:t>5/5/21</a:t>
+              <a:t>5/2/22</a:t>
             </a:fld>
             <a:endParaRPr lang="en-US"/>
           </a:p>
@@ -666,7 +672,7 @@
           <a:p>
             <a:fld id="{233E2962-3972-0441-AA79-DE2591D47C81}" type="datetimeFigureOut">
               <a:rPr lang="en-US" smtClean="0"/>
-              <a:t>5/5/21</a:t>
+              <a:t>5/2/22</a:t>
             </a:fld>
             <a:endParaRPr lang="en-US"/>
           </a:p>
@@ -866,7 +872,7 @@
           <a:p>
             <a:fld id="{233E2962-3972-0441-AA79-DE2591D47C81}" type="datetimeFigureOut">
               <a:rPr lang="en-US" smtClean="0"/>
-              <a:t>5/5/21</a:t>
+              <a:t>5/2/22</a:t>
             </a:fld>
             <a:endParaRPr lang="en-US"/>
           </a:p>
@@ -1142,7 +1148,7 @@
           <a:p>
             <a:fld id="{233E2962-3972-0441-AA79-DE2591D47C81}" type="datetimeFigureOut">
               <a:rPr lang="en-US" smtClean="0"/>
-              <a:t>5/5/21</a:t>
+              <a:t>5/2/22</a:t>
             </a:fld>
             <a:endParaRPr lang="en-US"/>
           </a:p>
@@ -1410,7 +1416,7 @@
           <a:p>
             <a:fld id="{233E2962-3972-0441-AA79-DE2591D47C81}" type="datetimeFigureOut">
               <a:rPr lang="en-US" smtClean="0"/>
-              <a:t>5/5/21</a:t>
+              <a:t>5/2/22</a:t>
             </a:fld>
             <a:endParaRPr lang="en-US"/>
           </a:p>
@@ -1825,7 +1831,7 @@
           <a:p>
             <a:fld id="{233E2962-3972-0441-AA79-DE2591D47C81}" type="datetimeFigureOut">
               <a:rPr lang="en-US" smtClean="0"/>
-              <a:t>5/5/21</a:t>
+              <a:t>5/2/22</a:t>
             </a:fld>
             <a:endParaRPr lang="en-US"/>
           </a:p>
@@ -1967,7 +1973,7 @@
           <a:p>
             <a:fld id="{233E2962-3972-0441-AA79-DE2591D47C81}" type="datetimeFigureOut">
               <a:rPr lang="en-US" smtClean="0"/>
-              <a:t>5/5/21</a:t>
+              <a:t>5/2/22</a:t>
             </a:fld>
             <a:endParaRPr lang="en-US"/>
           </a:p>
@@ -2080,7 +2086,7 @@
           <a:p>
             <a:fld id="{233E2962-3972-0441-AA79-DE2591D47C81}" type="datetimeFigureOut">
               <a:rPr lang="en-US" smtClean="0"/>
-              <a:t>5/5/21</a:t>
+              <a:t>5/2/22</a:t>
             </a:fld>
             <a:endParaRPr lang="en-US"/>
           </a:p>
@@ -2393,7 +2399,7 @@
           <a:p>
             <a:fld id="{233E2962-3972-0441-AA79-DE2591D47C81}" type="datetimeFigureOut">
               <a:rPr lang="en-US" smtClean="0"/>
-              <a:t>5/5/21</a:t>
+              <a:t>5/2/22</a:t>
             </a:fld>
             <a:endParaRPr lang="en-US"/>
           </a:p>
@@ -2682,7 +2688,7 @@
           <a:p>
             <a:fld id="{233E2962-3972-0441-AA79-DE2591D47C81}" type="datetimeFigureOut">
               <a:rPr lang="en-US" smtClean="0"/>
-              <a:t>5/5/21</a:t>
+              <a:t>5/2/22</a:t>
             </a:fld>
             <a:endParaRPr lang="en-US"/>
           </a:p>
@@ -2925,7 +2931,7 @@
           <a:p>
             <a:fld id="{233E2962-3972-0441-AA79-DE2591D47C81}" type="datetimeFigureOut">
               <a:rPr lang="en-US" smtClean="0"/>
-              <a:t>5/5/21</a:t>
+              <a:t>5/2/22</a:t>
             </a:fld>
             <a:endParaRPr lang="en-US"/>
           </a:p>
@@ -4950,7 +4956,7 @@
                   <a:srgbClr val="0432FF"/>
                 </a:solidFill>
               </a:rPr>
-              <a:t>1589                                                289                                                 289                                             30                                                      10                                                31                                            6</a:t>
+              <a:t>1589                                                289                                                 289                                             30                                                      12                                                34                                            6</a:t>
             </a:r>
           </a:p>
         </p:txBody>
@@ -4988,7 +4994,7 @@
                   <a:srgbClr val="0432FF"/>
                 </a:solidFill>
               </a:rPr>
-              <a:t>15</a:t>
+              <a:t>16</a:t>
             </a:r>
             <a:endParaRPr lang="en-US" sz="1200" dirty="0"/>
           </a:p>
@@ -5423,10 +5429,2316 @@
           </a:p>
         </p:txBody>
       </p:sp>
+      <p:sp>
+        <p:nvSpPr>
+          <p:cNvPr id="2" name="TextBox 1">
+            <a:extLst>
+              <a:ext uri="{FF2B5EF4-FFF2-40B4-BE49-F238E27FC236}">
+                <a16:creationId xmlns:a16="http://schemas.microsoft.com/office/drawing/2014/main" id="{42868A67-63DE-C92D-5297-7EEAC0AC2C94}"/>
+              </a:ext>
+            </a:extLst>
+          </p:cNvPr>
+          <p:cNvSpPr txBox="1"/>
+          <p:nvPr/>
+        </p:nvSpPr>
+        <p:spPr>
+          <a:xfrm>
+            <a:off x="184935" y="1767155"/>
+            <a:ext cx="583814" cy="369332"/>
+          </a:xfrm>
+          <a:prstGeom prst="rect">
+            <a:avLst/>
+          </a:prstGeom>
+          <a:noFill/>
+        </p:spPr>
+        <p:txBody>
+          <a:bodyPr wrap="none" rtlCol="0">
+            <a:spAutoFit/>
+          </a:bodyPr>
+          <a:lstStyle/>
+          <a:p>
+            <a:r>
+              <a:rPr lang="en-CL" dirty="0">
+                <a:solidFill>
+                  <a:srgbClr val="FF0000"/>
+                </a:solidFill>
+              </a:rPr>
+              <a:t>53%</a:t>
+            </a:r>
+          </a:p>
+        </p:txBody>
+      </p:sp>
     </p:spTree>
     <p:extLst>
       <p:ext uri="{BB962C8B-B14F-4D97-AF65-F5344CB8AC3E}">
         <p14:creationId xmlns:p14="http://schemas.microsoft.com/office/powerpoint/2010/main" val="3865930055"/>
+      </p:ext>
+    </p:extLst>
+  </p:cSld>
+  <p:clrMapOvr>
+    <a:masterClrMapping/>
+  </p:clrMapOvr>
+</p:sld>
+</file>
+
+<file path=ppt/slides/slide2.xml><?xml version="1.0" encoding="utf-8"?>
+<p:sld xmlns:a="http://schemas.openxmlformats.org/drawingml/2006/main" xmlns:r="http://schemas.openxmlformats.org/officeDocument/2006/relationships" xmlns:p="http://schemas.openxmlformats.org/presentationml/2006/main">
+  <p:cSld>
+    <p:spTree>
+      <p:nvGrpSpPr>
+        <p:cNvPr id="1" name=""/>
+        <p:cNvGrpSpPr/>
+        <p:nvPr/>
+      </p:nvGrpSpPr>
+      <p:grpSpPr>
+        <a:xfrm>
+          <a:off x="0" y="0"/>
+          <a:ext cx="0" cy="0"/>
+          <a:chOff x="0" y="0"/>
+          <a:chExt cx="0" cy="0"/>
+        </a:xfrm>
+      </p:grpSpPr>
+      <p:sp>
+        <p:nvSpPr>
+          <p:cNvPr id="25" name="Rounded Rectangle 24">
+            <a:extLst>
+              <a:ext uri="{FF2B5EF4-FFF2-40B4-BE49-F238E27FC236}">
+                <a16:creationId xmlns:a16="http://schemas.microsoft.com/office/drawing/2014/main" id="{1EEA4C71-751F-7841-8FA6-59F8A6B5BA1B}"/>
+              </a:ext>
+            </a:extLst>
+          </p:cNvPr>
+          <p:cNvSpPr/>
+          <p:nvPr/>
+        </p:nvSpPr>
+        <p:spPr>
+          <a:xfrm>
+            <a:off x="871328" y="2600768"/>
+            <a:ext cx="1182758" cy="944218"/>
+          </a:xfrm>
+          <a:prstGeom prst="roundRect">
+            <a:avLst/>
+          </a:prstGeom>
+        </p:spPr>
+        <p:style>
+          <a:lnRef idx="1">
+            <a:schemeClr val="accent1"/>
+          </a:lnRef>
+          <a:fillRef idx="3">
+            <a:schemeClr val="accent1"/>
+          </a:fillRef>
+          <a:effectRef idx="2">
+            <a:schemeClr val="accent1"/>
+          </a:effectRef>
+          <a:fontRef idx="minor">
+            <a:schemeClr val="lt1"/>
+          </a:fontRef>
+        </p:style>
+        <p:txBody>
+          <a:bodyPr rtlCol="0" anchor="ctr"/>
+          <a:lstStyle/>
+          <a:p>
+            <a:pPr algn="ctr"/>
+            <a:r>
+              <a:rPr lang="es-ES_tradnl" sz="2800" dirty="0" err="1">
+                <a:latin typeface="Trebuchet MS" panose="020B0703020202090204" pitchFamily="34" charset="0"/>
+              </a:rPr>
+              <a:t>Clean</a:t>
+            </a:r>
+            <a:endParaRPr lang="es-ES_tradnl" sz="2800" dirty="0">
+              <a:latin typeface="Trebuchet MS" panose="020B0703020202090204" pitchFamily="34" charset="0"/>
+            </a:endParaRPr>
+          </a:p>
+        </p:txBody>
+      </p:sp>
+      <p:cxnSp>
+        <p:nvCxnSpPr>
+          <p:cNvPr id="26" name="Straight Arrow Connector 25">
+            <a:extLst>
+              <a:ext uri="{FF2B5EF4-FFF2-40B4-BE49-F238E27FC236}">
+                <a16:creationId xmlns:a16="http://schemas.microsoft.com/office/drawing/2014/main" id="{D1FD956F-4069-254C-8C58-E065FB187EFC}"/>
+              </a:ext>
+            </a:extLst>
+          </p:cNvPr>
+          <p:cNvCxnSpPr>
+            <a:cxnSpLocks/>
+          </p:cNvCxnSpPr>
+          <p:nvPr/>
+        </p:nvCxnSpPr>
+        <p:spPr>
+          <a:xfrm>
+            <a:off x="96076" y="3067906"/>
+            <a:ext cx="775253" cy="0"/>
+          </a:xfrm>
+          <a:prstGeom prst="straightConnector1">
+            <a:avLst/>
+          </a:prstGeom>
+          <a:ln w="38100">
+            <a:tailEnd type="triangle"/>
+          </a:ln>
+        </p:spPr>
+        <p:style>
+          <a:lnRef idx="2">
+            <a:schemeClr val="accent1"/>
+          </a:lnRef>
+          <a:fillRef idx="0">
+            <a:schemeClr val="accent1"/>
+          </a:fillRef>
+          <a:effectRef idx="1">
+            <a:schemeClr val="accent1"/>
+          </a:effectRef>
+          <a:fontRef idx="minor">
+            <a:schemeClr val="tx1"/>
+          </a:fontRef>
+        </p:style>
+      </p:cxnSp>
+      <p:sp>
+        <p:nvSpPr>
+          <p:cNvPr id="29" name="TextBox 28">
+            <a:extLst>
+              <a:ext uri="{FF2B5EF4-FFF2-40B4-BE49-F238E27FC236}">
+                <a16:creationId xmlns:a16="http://schemas.microsoft.com/office/drawing/2014/main" id="{CB84DE3F-E0D7-3043-884D-8234AB2E8ECC}"/>
+              </a:ext>
+            </a:extLst>
+          </p:cNvPr>
+          <p:cNvSpPr txBox="1"/>
+          <p:nvPr/>
+        </p:nvSpPr>
+        <p:spPr>
+          <a:xfrm>
+            <a:off x="96076" y="2280744"/>
+            <a:ext cx="12178334" cy="276999"/>
+          </a:xfrm>
+          <a:prstGeom prst="rect">
+            <a:avLst/>
+          </a:prstGeom>
+          <a:noFill/>
+        </p:spPr>
+        <p:txBody>
+          <a:bodyPr wrap="none" rtlCol="0">
+            <a:spAutoFit/>
+          </a:bodyPr>
+          <a:lstStyle/>
+          <a:p>
+            <a:r>
+              <a:rPr lang="en-US" sz="1200" dirty="0" err="1">
+                <a:latin typeface="Courier" pitchFamily="2" charset="0"/>
+              </a:rPr>
+              <a:t>Xtrain</a:t>
+            </a:r>
+            <a:r>
+              <a:rPr lang="en-US" sz="1200" dirty="0">
+                <a:latin typeface="Courier" pitchFamily="2" charset="0"/>
+              </a:rPr>
+              <a:t>             </a:t>
+            </a:r>
+            <a:r>
+              <a:rPr lang="en-US" sz="1200" dirty="0" err="1">
+                <a:latin typeface="Courier" pitchFamily="2" charset="0"/>
+              </a:rPr>
+              <a:t>Xtrain_clean</a:t>
+            </a:r>
+            <a:r>
+              <a:rPr lang="en-US" sz="1200" dirty="0">
+                <a:latin typeface="Courier" pitchFamily="2" charset="0"/>
+              </a:rPr>
+              <a:t>         </a:t>
+            </a:r>
+            <a:r>
+              <a:rPr lang="en-US" sz="1200" dirty="0" err="1">
+                <a:latin typeface="Courier" pitchFamily="2" charset="0"/>
+              </a:rPr>
+              <a:t>Xtrain_norm</a:t>
+            </a:r>
+            <a:r>
+              <a:rPr lang="en-US" sz="1200" dirty="0">
+                <a:latin typeface="Courier" pitchFamily="2" charset="0"/>
+              </a:rPr>
+              <a:t>    </a:t>
+            </a:r>
+            <a:r>
+              <a:rPr lang="en-US" sz="1200" dirty="0" err="1">
+                <a:latin typeface="Courier" pitchFamily="2" charset="0"/>
+              </a:rPr>
+              <a:t>Xtrain_sfs</a:t>
+            </a:r>
+            <a:r>
+              <a:rPr lang="en-US" sz="1200" dirty="0">
+                <a:latin typeface="Courier" pitchFamily="2" charset="0"/>
+              </a:rPr>
+              <a:t>                </a:t>
+            </a:r>
+            <a:r>
+              <a:rPr lang="en-US" sz="1200" dirty="0" err="1">
+                <a:latin typeface="Courier" pitchFamily="2" charset="0"/>
+              </a:rPr>
+              <a:t>Xtrain_ica</a:t>
+            </a:r>
+            <a:r>
+              <a:rPr lang="en-US" sz="1200" dirty="0">
+                <a:latin typeface="Courier" pitchFamily="2" charset="0"/>
+              </a:rPr>
+              <a:t>         </a:t>
+            </a:r>
+            <a:r>
+              <a:rPr lang="en-US" sz="1200" dirty="0" err="1">
+                <a:latin typeface="Courier" pitchFamily="2" charset="0"/>
+              </a:rPr>
+              <a:t>Xtrain_con</a:t>
+            </a:r>
+            <a:r>
+              <a:rPr lang="en-US" sz="1200" dirty="0">
+                <a:latin typeface="Courier" pitchFamily="2" charset="0"/>
+              </a:rPr>
+              <a:t>        </a:t>
+            </a:r>
+            <a:r>
+              <a:rPr lang="en-US" sz="1200" dirty="0" err="1">
+                <a:latin typeface="Courier" pitchFamily="2" charset="0"/>
+              </a:rPr>
+              <a:t>Xtrain_fin</a:t>
+            </a:r>
+            <a:endParaRPr lang="en-US" sz="1200" dirty="0">
+              <a:latin typeface="Courier" pitchFamily="2" charset="0"/>
+            </a:endParaRPr>
+          </a:p>
+        </p:txBody>
+      </p:sp>
+      <p:sp>
+        <p:nvSpPr>
+          <p:cNvPr id="30" name="Rounded Rectangle 29">
+            <a:extLst>
+              <a:ext uri="{FF2B5EF4-FFF2-40B4-BE49-F238E27FC236}">
+                <a16:creationId xmlns:a16="http://schemas.microsoft.com/office/drawing/2014/main" id="{139193BC-BDE2-7345-8FA5-296B7DC8CDFF}"/>
+              </a:ext>
+            </a:extLst>
+          </p:cNvPr>
+          <p:cNvSpPr/>
+          <p:nvPr/>
+        </p:nvSpPr>
+        <p:spPr>
+          <a:xfrm>
+            <a:off x="2786159" y="2595797"/>
+            <a:ext cx="1182758" cy="944218"/>
+          </a:xfrm>
+          <a:prstGeom prst="roundRect">
+            <a:avLst/>
+          </a:prstGeom>
+        </p:spPr>
+        <p:style>
+          <a:lnRef idx="1">
+            <a:schemeClr val="accent1"/>
+          </a:lnRef>
+          <a:fillRef idx="3">
+            <a:schemeClr val="accent1"/>
+          </a:fillRef>
+          <a:effectRef idx="2">
+            <a:schemeClr val="accent1"/>
+          </a:effectRef>
+          <a:fontRef idx="minor">
+            <a:schemeClr val="lt1"/>
+          </a:fontRef>
+        </p:style>
+        <p:txBody>
+          <a:bodyPr rtlCol="0" anchor="ctr"/>
+          <a:lstStyle/>
+          <a:p>
+            <a:pPr algn="ctr"/>
+            <a:r>
+              <a:rPr lang="es-ES_tradnl" sz="2400" dirty="0">
+                <a:latin typeface="Trebuchet MS" panose="020B0703020202090204" pitchFamily="34" charset="0"/>
+              </a:rPr>
+              <a:t>Min</a:t>
+            </a:r>
+          </a:p>
+          <a:p>
+            <a:pPr algn="ctr"/>
+            <a:r>
+              <a:rPr lang="es-ES_tradnl" sz="2400" dirty="0">
+                <a:latin typeface="Trebuchet MS" panose="020B0703020202090204" pitchFamily="34" charset="0"/>
+              </a:rPr>
+              <a:t>Max</a:t>
+            </a:r>
+          </a:p>
+        </p:txBody>
+      </p:sp>
+      <p:cxnSp>
+        <p:nvCxnSpPr>
+          <p:cNvPr id="31" name="Straight Arrow Connector 30">
+            <a:extLst>
+              <a:ext uri="{FF2B5EF4-FFF2-40B4-BE49-F238E27FC236}">
+                <a16:creationId xmlns:a16="http://schemas.microsoft.com/office/drawing/2014/main" id="{69549E45-9C0A-7848-B72E-A743684D09F1}"/>
+              </a:ext>
+            </a:extLst>
+          </p:cNvPr>
+          <p:cNvCxnSpPr>
+            <a:cxnSpLocks/>
+          </p:cNvCxnSpPr>
+          <p:nvPr/>
+        </p:nvCxnSpPr>
+        <p:spPr>
+          <a:xfrm>
+            <a:off x="2010907" y="3062935"/>
+            <a:ext cx="775253" cy="0"/>
+          </a:xfrm>
+          <a:prstGeom prst="straightConnector1">
+            <a:avLst/>
+          </a:prstGeom>
+          <a:ln w="38100">
+            <a:tailEnd type="triangle"/>
+          </a:ln>
+        </p:spPr>
+        <p:style>
+          <a:lnRef idx="2">
+            <a:schemeClr val="accent1"/>
+          </a:lnRef>
+          <a:fillRef idx="0">
+            <a:schemeClr val="accent1"/>
+          </a:fillRef>
+          <a:effectRef idx="1">
+            <a:schemeClr val="accent1"/>
+          </a:effectRef>
+          <a:fontRef idx="minor">
+            <a:schemeClr val="tx1"/>
+          </a:fontRef>
+        </p:style>
+      </p:cxnSp>
+      <p:sp>
+        <p:nvSpPr>
+          <p:cNvPr id="32" name="Rounded Rectangle 31">
+            <a:extLst>
+              <a:ext uri="{FF2B5EF4-FFF2-40B4-BE49-F238E27FC236}">
+                <a16:creationId xmlns:a16="http://schemas.microsoft.com/office/drawing/2014/main" id="{4795A6EC-CCC2-3E4B-879C-36E640C8BDFB}"/>
+              </a:ext>
+            </a:extLst>
+          </p:cNvPr>
+          <p:cNvSpPr/>
+          <p:nvPr/>
+        </p:nvSpPr>
+        <p:spPr>
+          <a:xfrm>
+            <a:off x="4700990" y="2597832"/>
+            <a:ext cx="1182758" cy="944218"/>
+          </a:xfrm>
+          <a:prstGeom prst="roundRect">
+            <a:avLst/>
+          </a:prstGeom>
+        </p:spPr>
+        <p:style>
+          <a:lnRef idx="1">
+            <a:schemeClr val="accent1"/>
+          </a:lnRef>
+          <a:fillRef idx="3">
+            <a:schemeClr val="accent1"/>
+          </a:fillRef>
+          <a:effectRef idx="2">
+            <a:schemeClr val="accent1"/>
+          </a:effectRef>
+          <a:fontRef idx="minor">
+            <a:schemeClr val="lt1"/>
+          </a:fontRef>
+        </p:style>
+        <p:txBody>
+          <a:bodyPr rtlCol="0" anchor="ctr"/>
+          <a:lstStyle/>
+          <a:p>
+            <a:pPr algn="ctr"/>
+            <a:r>
+              <a:rPr lang="es-ES_tradnl" sz="2400" dirty="0">
+                <a:latin typeface="Trebuchet MS" panose="020B0703020202090204" pitchFamily="34" charset="0"/>
+              </a:rPr>
+              <a:t>SFS</a:t>
+            </a:r>
+          </a:p>
+        </p:txBody>
+      </p:sp>
+      <p:cxnSp>
+        <p:nvCxnSpPr>
+          <p:cNvPr id="33" name="Straight Arrow Connector 32">
+            <a:extLst>
+              <a:ext uri="{FF2B5EF4-FFF2-40B4-BE49-F238E27FC236}">
+                <a16:creationId xmlns:a16="http://schemas.microsoft.com/office/drawing/2014/main" id="{E0D5BBB3-3155-B847-8D66-74922F94AA07}"/>
+              </a:ext>
+            </a:extLst>
+          </p:cNvPr>
+          <p:cNvCxnSpPr>
+            <a:cxnSpLocks/>
+          </p:cNvCxnSpPr>
+          <p:nvPr/>
+        </p:nvCxnSpPr>
+        <p:spPr>
+          <a:xfrm>
+            <a:off x="3925738" y="3064970"/>
+            <a:ext cx="775253" cy="0"/>
+          </a:xfrm>
+          <a:prstGeom prst="straightConnector1">
+            <a:avLst/>
+          </a:prstGeom>
+          <a:ln w="38100">
+            <a:tailEnd type="triangle"/>
+          </a:ln>
+        </p:spPr>
+        <p:style>
+          <a:lnRef idx="2">
+            <a:schemeClr val="accent1"/>
+          </a:lnRef>
+          <a:fillRef idx="0">
+            <a:schemeClr val="accent1"/>
+          </a:fillRef>
+          <a:effectRef idx="1">
+            <a:schemeClr val="accent1"/>
+          </a:effectRef>
+          <a:fontRef idx="minor">
+            <a:schemeClr val="tx1"/>
+          </a:fontRef>
+        </p:style>
+      </p:cxnSp>
+      <p:sp>
+        <p:nvSpPr>
+          <p:cNvPr id="34" name="Rounded Rectangle 33">
+            <a:extLst>
+              <a:ext uri="{FF2B5EF4-FFF2-40B4-BE49-F238E27FC236}">
+                <a16:creationId xmlns:a16="http://schemas.microsoft.com/office/drawing/2014/main" id="{7C5A64AE-A00B-0647-AE5A-1DEA38C60248}"/>
+              </a:ext>
+            </a:extLst>
+          </p:cNvPr>
+          <p:cNvSpPr/>
+          <p:nvPr/>
+        </p:nvSpPr>
+        <p:spPr>
+          <a:xfrm>
+            <a:off x="6615821" y="2590826"/>
+            <a:ext cx="1182758" cy="944218"/>
+          </a:xfrm>
+          <a:prstGeom prst="roundRect">
+            <a:avLst/>
+          </a:prstGeom>
+        </p:spPr>
+        <p:style>
+          <a:lnRef idx="1">
+            <a:schemeClr val="accent1"/>
+          </a:lnRef>
+          <a:fillRef idx="3">
+            <a:schemeClr val="accent1"/>
+          </a:fillRef>
+          <a:effectRef idx="2">
+            <a:schemeClr val="accent1"/>
+          </a:effectRef>
+          <a:fontRef idx="minor">
+            <a:schemeClr val="lt1"/>
+          </a:fontRef>
+        </p:style>
+        <p:txBody>
+          <a:bodyPr rtlCol="0" anchor="ctr"/>
+          <a:lstStyle/>
+          <a:p>
+            <a:pPr algn="ctr"/>
+            <a:r>
+              <a:rPr lang="es-ES_tradnl" sz="2400" dirty="0">
+                <a:latin typeface="Trebuchet MS" panose="020B0703020202090204" pitchFamily="34" charset="0"/>
+              </a:rPr>
+              <a:t>ICA</a:t>
+            </a:r>
+          </a:p>
+        </p:txBody>
+      </p:sp>
+      <p:cxnSp>
+        <p:nvCxnSpPr>
+          <p:cNvPr id="35" name="Straight Arrow Connector 34">
+            <a:extLst>
+              <a:ext uri="{FF2B5EF4-FFF2-40B4-BE49-F238E27FC236}">
+                <a16:creationId xmlns:a16="http://schemas.microsoft.com/office/drawing/2014/main" id="{F7ED4F8F-6C3C-F543-9FFC-68B89F6EC12C}"/>
+              </a:ext>
+            </a:extLst>
+          </p:cNvPr>
+          <p:cNvCxnSpPr>
+            <a:cxnSpLocks/>
+          </p:cNvCxnSpPr>
+          <p:nvPr/>
+        </p:nvCxnSpPr>
+        <p:spPr>
+          <a:xfrm>
+            <a:off x="5840569" y="3067903"/>
+            <a:ext cx="775253" cy="0"/>
+          </a:xfrm>
+          <a:prstGeom prst="straightConnector1">
+            <a:avLst/>
+          </a:prstGeom>
+          <a:ln w="38100">
+            <a:tailEnd type="triangle"/>
+          </a:ln>
+        </p:spPr>
+        <p:style>
+          <a:lnRef idx="2">
+            <a:schemeClr val="accent1"/>
+          </a:lnRef>
+          <a:fillRef idx="0">
+            <a:schemeClr val="accent1"/>
+          </a:fillRef>
+          <a:effectRef idx="1">
+            <a:schemeClr val="accent1"/>
+          </a:effectRef>
+          <a:fontRef idx="minor">
+            <a:schemeClr val="tx1"/>
+          </a:fontRef>
+        </p:style>
+      </p:cxnSp>
+      <p:sp>
+        <p:nvSpPr>
+          <p:cNvPr id="36" name="Rounded Rectangle 35">
+            <a:extLst>
+              <a:ext uri="{FF2B5EF4-FFF2-40B4-BE49-F238E27FC236}">
+                <a16:creationId xmlns:a16="http://schemas.microsoft.com/office/drawing/2014/main" id="{C9AB1298-7AE2-2946-8BD8-B5BDB5F8002E}"/>
+              </a:ext>
+            </a:extLst>
+          </p:cNvPr>
+          <p:cNvSpPr/>
+          <p:nvPr/>
+        </p:nvSpPr>
+        <p:spPr>
+          <a:xfrm>
+            <a:off x="6615821" y="3788491"/>
+            <a:ext cx="1182758" cy="944218"/>
+          </a:xfrm>
+          <a:prstGeom prst="roundRect">
+            <a:avLst/>
+          </a:prstGeom>
+        </p:spPr>
+        <p:style>
+          <a:lnRef idx="1">
+            <a:schemeClr val="accent1"/>
+          </a:lnRef>
+          <a:fillRef idx="3">
+            <a:schemeClr val="accent1"/>
+          </a:fillRef>
+          <a:effectRef idx="2">
+            <a:schemeClr val="accent1"/>
+          </a:effectRef>
+          <a:fontRef idx="minor">
+            <a:schemeClr val="lt1"/>
+          </a:fontRef>
+        </p:style>
+        <p:txBody>
+          <a:bodyPr rtlCol="0" anchor="ctr"/>
+          <a:lstStyle/>
+          <a:p>
+            <a:pPr algn="ctr"/>
+            <a:r>
+              <a:rPr lang="es-ES_tradnl" sz="2400" dirty="0">
+                <a:latin typeface="Trebuchet MS" panose="020B0703020202090204" pitchFamily="34" charset="0"/>
+              </a:rPr>
+              <a:t>PLSR</a:t>
+            </a:r>
+          </a:p>
+        </p:txBody>
+      </p:sp>
+      <p:sp>
+        <p:nvSpPr>
+          <p:cNvPr id="37" name="Rounded Rectangle 36">
+            <a:extLst>
+              <a:ext uri="{FF2B5EF4-FFF2-40B4-BE49-F238E27FC236}">
+                <a16:creationId xmlns:a16="http://schemas.microsoft.com/office/drawing/2014/main" id="{617A1142-EC7D-EE41-9E30-5055F4C75354}"/>
+              </a:ext>
+            </a:extLst>
+          </p:cNvPr>
+          <p:cNvSpPr/>
+          <p:nvPr/>
+        </p:nvSpPr>
+        <p:spPr>
+          <a:xfrm>
+            <a:off x="6628640" y="1390544"/>
+            <a:ext cx="1182758" cy="944218"/>
+          </a:xfrm>
+          <a:prstGeom prst="roundRect">
+            <a:avLst/>
+          </a:prstGeom>
+        </p:spPr>
+        <p:style>
+          <a:lnRef idx="1">
+            <a:schemeClr val="accent1"/>
+          </a:lnRef>
+          <a:fillRef idx="3">
+            <a:schemeClr val="accent1"/>
+          </a:fillRef>
+          <a:effectRef idx="2">
+            <a:schemeClr val="accent1"/>
+          </a:effectRef>
+          <a:fontRef idx="minor">
+            <a:schemeClr val="lt1"/>
+          </a:fontRef>
+        </p:style>
+        <p:txBody>
+          <a:bodyPr rtlCol="0" anchor="ctr"/>
+          <a:lstStyle/>
+          <a:p>
+            <a:pPr algn="ctr"/>
+            <a:r>
+              <a:rPr lang="es-ES_tradnl" sz="2400" dirty="0">
+                <a:latin typeface="Trebuchet MS" panose="020B0703020202090204" pitchFamily="34" charset="0"/>
+              </a:rPr>
+              <a:t>PCA</a:t>
+            </a:r>
+          </a:p>
+        </p:txBody>
+      </p:sp>
+      <p:cxnSp>
+        <p:nvCxnSpPr>
+          <p:cNvPr id="38" name="Straight Arrow Connector 37">
+            <a:extLst>
+              <a:ext uri="{FF2B5EF4-FFF2-40B4-BE49-F238E27FC236}">
+                <a16:creationId xmlns:a16="http://schemas.microsoft.com/office/drawing/2014/main" id="{3D6CFDC2-12C7-BC4E-9C87-F5570A70EE41}"/>
+              </a:ext>
+            </a:extLst>
+          </p:cNvPr>
+          <p:cNvCxnSpPr>
+            <a:cxnSpLocks/>
+            <a:stCxn id="32" idx="3"/>
+            <a:endCxn id="37" idx="1"/>
+          </p:cNvCxnSpPr>
+          <p:nvPr/>
+        </p:nvCxnSpPr>
+        <p:spPr>
+          <a:xfrm flipV="1">
+            <a:off x="5883748" y="1862653"/>
+            <a:ext cx="744892" cy="1207288"/>
+          </a:xfrm>
+          <a:prstGeom prst="bentConnector3">
+            <a:avLst>
+              <a:gd name="adj1" fmla="val 50000"/>
+            </a:avLst>
+          </a:prstGeom>
+          <a:ln w="38100">
+            <a:tailEnd type="triangle"/>
+          </a:ln>
+        </p:spPr>
+        <p:style>
+          <a:lnRef idx="2">
+            <a:schemeClr val="accent1"/>
+          </a:lnRef>
+          <a:fillRef idx="0">
+            <a:schemeClr val="accent1"/>
+          </a:fillRef>
+          <a:effectRef idx="1">
+            <a:schemeClr val="accent1"/>
+          </a:effectRef>
+          <a:fontRef idx="minor">
+            <a:schemeClr val="tx1"/>
+          </a:fontRef>
+        </p:style>
+      </p:cxnSp>
+      <p:cxnSp>
+        <p:nvCxnSpPr>
+          <p:cNvPr id="39" name="Straight Arrow Connector 37">
+            <a:extLst>
+              <a:ext uri="{FF2B5EF4-FFF2-40B4-BE49-F238E27FC236}">
+                <a16:creationId xmlns:a16="http://schemas.microsoft.com/office/drawing/2014/main" id="{892CDC4D-2460-9F4B-B4B4-5A98BBFA7C2F}"/>
+              </a:ext>
+            </a:extLst>
+          </p:cNvPr>
+          <p:cNvCxnSpPr>
+            <a:cxnSpLocks/>
+            <a:stCxn id="32" idx="3"/>
+            <a:endCxn id="36" idx="1"/>
+          </p:cNvCxnSpPr>
+          <p:nvPr/>
+        </p:nvCxnSpPr>
+        <p:spPr>
+          <a:xfrm>
+            <a:off x="5883748" y="3069941"/>
+            <a:ext cx="732073" cy="1190659"/>
+          </a:xfrm>
+          <a:prstGeom prst="bentConnector3">
+            <a:avLst>
+              <a:gd name="adj1" fmla="val 50000"/>
+            </a:avLst>
+          </a:prstGeom>
+          <a:ln w="38100">
+            <a:tailEnd type="triangle"/>
+          </a:ln>
+        </p:spPr>
+        <p:style>
+          <a:lnRef idx="2">
+            <a:schemeClr val="accent1"/>
+          </a:lnRef>
+          <a:fillRef idx="0">
+            <a:schemeClr val="accent1"/>
+          </a:fillRef>
+          <a:effectRef idx="1">
+            <a:schemeClr val="accent1"/>
+          </a:effectRef>
+          <a:fontRef idx="minor">
+            <a:schemeClr val="tx1"/>
+          </a:fontRef>
+        </p:style>
+      </p:cxnSp>
+      <p:sp>
+        <p:nvSpPr>
+          <p:cNvPr id="42" name="Rounded Rectangle 41">
+            <a:extLst>
+              <a:ext uri="{FF2B5EF4-FFF2-40B4-BE49-F238E27FC236}">
+                <a16:creationId xmlns:a16="http://schemas.microsoft.com/office/drawing/2014/main" id="{40EB530D-FA1D-6645-B8DD-EF6051A6F2BF}"/>
+              </a:ext>
+            </a:extLst>
+          </p:cNvPr>
+          <p:cNvSpPr/>
+          <p:nvPr/>
+        </p:nvSpPr>
+        <p:spPr>
+          <a:xfrm>
+            <a:off x="8527618" y="3785106"/>
+            <a:ext cx="1182758" cy="944218"/>
+          </a:xfrm>
+          <a:prstGeom prst="roundRect">
+            <a:avLst/>
+          </a:prstGeom>
+        </p:spPr>
+        <p:style>
+          <a:lnRef idx="1">
+            <a:schemeClr val="accent1"/>
+          </a:lnRef>
+          <a:fillRef idx="3">
+            <a:schemeClr val="accent1"/>
+          </a:fillRef>
+          <a:effectRef idx="2">
+            <a:schemeClr val="accent1"/>
+          </a:effectRef>
+          <a:fontRef idx="minor">
+            <a:schemeClr val="lt1"/>
+          </a:fontRef>
+        </p:style>
+        <p:txBody>
+          <a:bodyPr rtlCol="0" anchor="ctr"/>
+          <a:lstStyle/>
+          <a:p>
+            <a:pPr algn="ctr"/>
+            <a:r>
+              <a:rPr lang="es-ES_tradnl" sz="2400" dirty="0">
+                <a:latin typeface="Trebuchet MS" panose="020B0703020202090204" pitchFamily="34" charset="0"/>
+              </a:rPr>
+              <a:t>SBS</a:t>
+            </a:r>
+          </a:p>
+        </p:txBody>
+      </p:sp>
+      <p:cxnSp>
+        <p:nvCxnSpPr>
+          <p:cNvPr id="43" name="Straight Arrow Connector 42">
+            <a:extLst>
+              <a:ext uri="{FF2B5EF4-FFF2-40B4-BE49-F238E27FC236}">
+                <a16:creationId xmlns:a16="http://schemas.microsoft.com/office/drawing/2014/main" id="{1EC4F74C-3217-C442-B475-FB30A272EA18}"/>
+              </a:ext>
+            </a:extLst>
+          </p:cNvPr>
+          <p:cNvCxnSpPr>
+            <a:cxnSpLocks/>
+          </p:cNvCxnSpPr>
+          <p:nvPr/>
+        </p:nvCxnSpPr>
+        <p:spPr>
+          <a:xfrm>
+            <a:off x="7752366" y="4252244"/>
+            <a:ext cx="775253" cy="0"/>
+          </a:xfrm>
+          <a:prstGeom prst="straightConnector1">
+            <a:avLst/>
+          </a:prstGeom>
+          <a:ln w="38100">
+            <a:tailEnd type="triangle"/>
+          </a:ln>
+        </p:spPr>
+        <p:style>
+          <a:lnRef idx="2">
+            <a:schemeClr val="accent1"/>
+          </a:lnRef>
+          <a:fillRef idx="0">
+            <a:schemeClr val="accent1"/>
+          </a:fillRef>
+          <a:effectRef idx="1">
+            <a:schemeClr val="accent1"/>
+          </a:effectRef>
+          <a:fontRef idx="minor">
+            <a:schemeClr val="tx1"/>
+          </a:fontRef>
+        </p:style>
+      </p:cxnSp>
+      <p:sp>
+        <p:nvSpPr>
+          <p:cNvPr id="45" name="Rounded Rectangle 44">
+            <a:extLst>
+              <a:ext uri="{FF2B5EF4-FFF2-40B4-BE49-F238E27FC236}">
+                <a16:creationId xmlns:a16="http://schemas.microsoft.com/office/drawing/2014/main" id="{1C9CD54D-DDE8-9948-BF28-FF986B7122DE}"/>
+              </a:ext>
+            </a:extLst>
+          </p:cNvPr>
+          <p:cNvSpPr/>
+          <p:nvPr/>
+        </p:nvSpPr>
+        <p:spPr>
+          <a:xfrm>
+            <a:off x="8527618" y="2597832"/>
+            <a:ext cx="1182758" cy="944218"/>
+          </a:xfrm>
+          <a:prstGeom prst="roundRect">
+            <a:avLst/>
+          </a:prstGeom>
+        </p:spPr>
+        <p:style>
+          <a:lnRef idx="1">
+            <a:schemeClr val="accent1"/>
+          </a:lnRef>
+          <a:fillRef idx="3">
+            <a:schemeClr val="accent1"/>
+          </a:fillRef>
+          <a:effectRef idx="2">
+            <a:schemeClr val="accent1"/>
+          </a:effectRef>
+          <a:fontRef idx="minor">
+            <a:schemeClr val="lt1"/>
+          </a:fontRef>
+        </p:style>
+        <p:txBody>
+          <a:bodyPr rtlCol="0" anchor="ctr"/>
+          <a:lstStyle/>
+          <a:p>
+            <a:pPr algn="ctr"/>
+            <a:r>
+              <a:rPr lang="es-ES_tradnl" sz="2000" dirty="0">
+                <a:latin typeface="Trebuchet MS" panose="020B0703020202090204" pitchFamily="34" charset="0"/>
+              </a:rPr>
+              <a:t>Conca-tenate</a:t>
+            </a:r>
+          </a:p>
+        </p:txBody>
+      </p:sp>
+      <p:cxnSp>
+        <p:nvCxnSpPr>
+          <p:cNvPr id="46" name="Straight Arrow Connector 45">
+            <a:extLst>
+              <a:ext uri="{FF2B5EF4-FFF2-40B4-BE49-F238E27FC236}">
+                <a16:creationId xmlns:a16="http://schemas.microsoft.com/office/drawing/2014/main" id="{C1EB6283-0687-F947-BE01-B77813B80C7D}"/>
+              </a:ext>
+            </a:extLst>
+          </p:cNvPr>
+          <p:cNvCxnSpPr>
+            <a:cxnSpLocks/>
+          </p:cNvCxnSpPr>
+          <p:nvPr/>
+        </p:nvCxnSpPr>
+        <p:spPr>
+          <a:xfrm>
+            <a:off x="7752366" y="3064970"/>
+            <a:ext cx="775253" cy="0"/>
+          </a:xfrm>
+          <a:prstGeom prst="straightConnector1">
+            <a:avLst/>
+          </a:prstGeom>
+          <a:ln w="38100">
+            <a:tailEnd type="triangle"/>
+          </a:ln>
+        </p:spPr>
+        <p:style>
+          <a:lnRef idx="2">
+            <a:schemeClr val="accent1"/>
+          </a:lnRef>
+          <a:fillRef idx="0">
+            <a:schemeClr val="accent1"/>
+          </a:fillRef>
+          <a:effectRef idx="1">
+            <a:schemeClr val="accent1"/>
+          </a:effectRef>
+          <a:fontRef idx="minor">
+            <a:schemeClr val="tx1"/>
+          </a:fontRef>
+        </p:style>
+      </p:cxnSp>
+      <p:cxnSp>
+        <p:nvCxnSpPr>
+          <p:cNvPr id="47" name="Straight Arrow Connector 46">
+            <a:extLst>
+              <a:ext uri="{FF2B5EF4-FFF2-40B4-BE49-F238E27FC236}">
+                <a16:creationId xmlns:a16="http://schemas.microsoft.com/office/drawing/2014/main" id="{8BE148F2-3FDA-894E-92A2-E6B553695E6D}"/>
+              </a:ext>
+            </a:extLst>
+          </p:cNvPr>
+          <p:cNvCxnSpPr>
+            <a:cxnSpLocks/>
+            <a:stCxn id="42" idx="0"/>
+            <a:endCxn id="45" idx="2"/>
+          </p:cNvCxnSpPr>
+          <p:nvPr/>
+        </p:nvCxnSpPr>
+        <p:spPr>
+          <a:xfrm flipV="1">
+            <a:off x="9118997" y="3542050"/>
+            <a:ext cx="0" cy="243056"/>
+          </a:xfrm>
+          <a:prstGeom prst="straightConnector1">
+            <a:avLst/>
+          </a:prstGeom>
+          <a:ln w="38100">
+            <a:tailEnd type="triangle"/>
+          </a:ln>
+        </p:spPr>
+        <p:style>
+          <a:lnRef idx="2">
+            <a:schemeClr val="accent1"/>
+          </a:lnRef>
+          <a:fillRef idx="0">
+            <a:schemeClr val="accent1"/>
+          </a:fillRef>
+          <a:effectRef idx="1">
+            <a:schemeClr val="accent1"/>
+          </a:effectRef>
+          <a:fontRef idx="minor">
+            <a:schemeClr val="tx1"/>
+          </a:fontRef>
+        </p:style>
+      </p:cxnSp>
+      <p:sp>
+        <p:nvSpPr>
+          <p:cNvPr id="49" name="Rounded Rectangle 48">
+            <a:extLst>
+              <a:ext uri="{FF2B5EF4-FFF2-40B4-BE49-F238E27FC236}">
+                <a16:creationId xmlns:a16="http://schemas.microsoft.com/office/drawing/2014/main" id="{9385274F-F2C8-924D-AE32-E3EF401FBF8A}"/>
+              </a:ext>
+            </a:extLst>
+          </p:cNvPr>
+          <p:cNvSpPr/>
+          <p:nvPr/>
+        </p:nvSpPr>
+        <p:spPr>
+          <a:xfrm>
+            <a:off x="10189947" y="2600765"/>
+            <a:ext cx="1182758" cy="944218"/>
+          </a:xfrm>
+          <a:prstGeom prst="roundRect">
+            <a:avLst/>
+          </a:prstGeom>
+        </p:spPr>
+        <p:style>
+          <a:lnRef idx="1">
+            <a:schemeClr val="accent1"/>
+          </a:lnRef>
+          <a:fillRef idx="3">
+            <a:schemeClr val="accent1"/>
+          </a:fillRef>
+          <a:effectRef idx="2">
+            <a:schemeClr val="accent1"/>
+          </a:effectRef>
+          <a:fontRef idx="minor">
+            <a:schemeClr val="lt1"/>
+          </a:fontRef>
+        </p:style>
+        <p:txBody>
+          <a:bodyPr rtlCol="0" anchor="ctr"/>
+          <a:lstStyle/>
+          <a:p>
+            <a:pPr algn="ctr"/>
+            <a:r>
+              <a:rPr lang="es-ES_tradnl" sz="2400" dirty="0">
+                <a:latin typeface="Trebuchet MS" panose="020B0703020202090204" pitchFamily="34" charset="0"/>
+              </a:rPr>
+              <a:t>SFS</a:t>
+            </a:r>
+          </a:p>
+        </p:txBody>
+      </p:sp>
+      <p:cxnSp>
+        <p:nvCxnSpPr>
+          <p:cNvPr id="52" name="Straight Arrow Connector 51">
+            <a:extLst>
+              <a:ext uri="{FF2B5EF4-FFF2-40B4-BE49-F238E27FC236}">
+                <a16:creationId xmlns:a16="http://schemas.microsoft.com/office/drawing/2014/main" id="{70F6C2DB-3705-1E46-B02F-460056B77F47}"/>
+              </a:ext>
+            </a:extLst>
+          </p:cNvPr>
+          <p:cNvCxnSpPr>
+            <a:cxnSpLocks/>
+            <a:stCxn id="45" idx="3"/>
+            <a:endCxn id="49" idx="1"/>
+          </p:cNvCxnSpPr>
+          <p:nvPr/>
+        </p:nvCxnSpPr>
+        <p:spPr>
+          <a:xfrm>
+            <a:off x="9710376" y="3069941"/>
+            <a:ext cx="479571" cy="2933"/>
+          </a:xfrm>
+          <a:prstGeom prst="straightConnector1">
+            <a:avLst/>
+          </a:prstGeom>
+          <a:ln w="38100">
+            <a:tailEnd type="triangle"/>
+          </a:ln>
+        </p:spPr>
+        <p:style>
+          <a:lnRef idx="2">
+            <a:schemeClr val="accent1"/>
+          </a:lnRef>
+          <a:fillRef idx="0">
+            <a:schemeClr val="accent1"/>
+          </a:fillRef>
+          <a:effectRef idx="1">
+            <a:schemeClr val="accent1"/>
+          </a:effectRef>
+          <a:fontRef idx="minor">
+            <a:schemeClr val="tx1"/>
+          </a:fontRef>
+        </p:style>
+      </p:cxnSp>
+      <p:cxnSp>
+        <p:nvCxnSpPr>
+          <p:cNvPr id="53" name="Straight Arrow Connector 52">
+            <a:extLst>
+              <a:ext uri="{FF2B5EF4-FFF2-40B4-BE49-F238E27FC236}">
+                <a16:creationId xmlns:a16="http://schemas.microsoft.com/office/drawing/2014/main" id="{27BFB15D-3429-1A47-89DA-BE3A3186968A}"/>
+              </a:ext>
+            </a:extLst>
+          </p:cNvPr>
+          <p:cNvCxnSpPr>
+            <a:cxnSpLocks/>
+          </p:cNvCxnSpPr>
+          <p:nvPr/>
+        </p:nvCxnSpPr>
+        <p:spPr>
+          <a:xfrm>
+            <a:off x="11372705" y="3060002"/>
+            <a:ext cx="479571" cy="2933"/>
+          </a:xfrm>
+          <a:prstGeom prst="straightConnector1">
+            <a:avLst/>
+          </a:prstGeom>
+          <a:ln w="38100">
+            <a:tailEnd type="triangle"/>
+          </a:ln>
+        </p:spPr>
+        <p:style>
+          <a:lnRef idx="2">
+            <a:schemeClr val="accent1"/>
+          </a:lnRef>
+          <a:fillRef idx="0">
+            <a:schemeClr val="accent1"/>
+          </a:fillRef>
+          <a:effectRef idx="1">
+            <a:schemeClr val="accent1"/>
+          </a:effectRef>
+          <a:fontRef idx="minor">
+            <a:schemeClr val="tx1"/>
+          </a:fontRef>
+        </p:style>
+      </p:cxnSp>
+      <p:sp>
+        <p:nvSpPr>
+          <p:cNvPr id="54" name="Rectangle 53">
+            <a:extLst>
+              <a:ext uri="{FF2B5EF4-FFF2-40B4-BE49-F238E27FC236}">
+                <a16:creationId xmlns:a16="http://schemas.microsoft.com/office/drawing/2014/main" id="{9894A4B2-03FB-3145-ADF8-1436B3824A46}"/>
+              </a:ext>
+            </a:extLst>
+          </p:cNvPr>
+          <p:cNvSpPr/>
+          <p:nvPr/>
+        </p:nvSpPr>
+        <p:spPr>
+          <a:xfrm>
+            <a:off x="7578898" y="1077236"/>
+            <a:ext cx="1114408" cy="276999"/>
+          </a:xfrm>
+          <a:prstGeom prst="rect">
+            <a:avLst/>
+          </a:prstGeom>
+        </p:spPr>
+        <p:txBody>
+          <a:bodyPr wrap="none">
+            <a:spAutoFit/>
+          </a:bodyPr>
+          <a:lstStyle/>
+          <a:p>
+            <a:r>
+              <a:rPr lang="en-US" sz="1200" dirty="0" err="1">
+                <a:latin typeface="Courier" pitchFamily="2" charset="0"/>
+              </a:rPr>
+              <a:t>Xtrain_pca</a:t>
+            </a:r>
+            <a:endParaRPr lang="en-US" sz="1200" dirty="0"/>
+          </a:p>
+        </p:txBody>
+      </p:sp>
+      <p:sp>
+        <p:nvSpPr>
+          <p:cNvPr id="56" name="Rectangle 55">
+            <a:extLst>
+              <a:ext uri="{FF2B5EF4-FFF2-40B4-BE49-F238E27FC236}">
+                <a16:creationId xmlns:a16="http://schemas.microsoft.com/office/drawing/2014/main" id="{560DFA3C-2433-0D42-A824-F27C3AD9B6CA}"/>
+              </a:ext>
+            </a:extLst>
+          </p:cNvPr>
+          <p:cNvSpPr/>
+          <p:nvPr/>
+        </p:nvSpPr>
+        <p:spPr>
+          <a:xfrm>
+            <a:off x="7582788" y="4770620"/>
+            <a:ext cx="1207382" cy="276999"/>
+          </a:xfrm>
+          <a:prstGeom prst="rect">
+            <a:avLst/>
+          </a:prstGeom>
+        </p:spPr>
+        <p:txBody>
+          <a:bodyPr wrap="none">
+            <a:spAutoFit/>
+          </a:bodyPr>
+          <a:lstStyle/>
+          <a:p>
+            <a:r>
+              <a:rPr lang="en-US" sz="1200" dirty="0" err="1">
+                <a:latin typeface="Courier" pitchFamily="2" charset="0"/>
+              </a:rPr>
+              <a:t>Xtrain_plsr</a:t>
+            </a:r>
+            <a:endParaRPr lang="en-US" sz="1200" dirty="0"/>
+          </a:p>
+        </p:txBody>
+      </p:sp>
+      <p:sp>
+        <p:nvSpPr>
+          <p:cNvPr id="57" name="Rectangle 56">
+            <a:extLst>
+              <a:ext uri="{FF2B5EF4-FFF2-40B4-BE49-F238E27FC236}">
+                <a16:creationId xmlns:a16="http://schemas.microsoft.com/office/drawing/2014/main" id="{09AC6A73-048C-7940-B05C-A34CB4AAB6A4}"/>
+              </a:ext>
+            </a:extLst>
+          </p:cNvPr>
+          <p:cNvSpPr/>
+          <p:nvPr/>
+        </p:nvSpPr>
+        <p:spPr>
+          <a:xfrm>
+            <a:off x="9448861" y="3508107"/>
+            <a:ext cx="1114408" cy="276999"/>
+          </a:xfrm>
+          <a:prstGeom prst="rect">
+            <a:avLst/>
+          </a:prstGeom>
+        </p:spPr>
+        <p:txBody>
+          <a:bodyPr wrap="none">
+            <a:spAutoFit/>
+          </a:bodyPr>
+          <a:lstStyle/>
+          <a:p>
+            <a:r>
+              <a:rPr lang="en-US" sz="1200" dirty="0" err="1">
+                <a:latin typeface="Courier" pitchFamily="2" charset="0"/>
+              </a:rPr>
+              <a:t>Xtrain_sbs</a:t>
+            </a:r>
+            <a:endParaRPr lang="en-US" sz="1200" dirty="0"/>
+          </a:p>
+        </p:txBody>
+      </p:sp>
+      <p:cxnSp>
+        <p:nvCxnSpPr>
+          <p:cNvPr id="59" name="Straight Connector 58">
+            <a:extLst>
+              <a:ext uri="{FF2B5EF4-FFF2-40B4-BE49-F238E27FC236}">
+                <a16:creationId xmlns:a16="http://schemas.microsoft.com/office/drawing/2014/main" id="{6A494A7C-1B2E-3D4C-A0F1-D1E942A88FFF}"/>
+              </a:ext>
+            </a:extLst>
+          </p:cNvPr>
+          <p:cNvCxnSpPr/>
+          <p:nvPr/>
+        </p:nvCxnSpPr>
+        <p:spPr>
+          <a:xfrm>
+            <a:off x="411402" y="2557743"/>
+            <a:ext cx="0" cy="432000"/>
+          </a:xfrm>
+          <a:prstGeom prst="line">
+            <a:avLst/>
+          </a:prstGeom>
+          <a:ln w="12700">
+            <a:prstDash val="dash"/>
+          </a:ln>
+        </p:spPr>
+        <p:style>
+          <a:lnRef idx="1">
+            <a:schemeClr val="accent3"/>
+          </a:lnRef>
+          <a:fillRef idx="0">
+            <a:schemeClr val="accent3"/>
+          </a:fillRef>
+          <a:effectRef idx="0">
+            <a:schemeClr val="accent3"/>
+          </a:effectRef>
+          <a:fontRef idx="minor">
+            <a:schemeClr val="tx1"/>
+          </a:fontRef>
+        </p:style>
+      </p:cxnSp>
+      <p:cxnSp>
+        <p:nvCxnSpPr>
+          <p:cNvPr id="60" name="Straight Connector 59">
+            <a:extLst>
+              <a:ext uri="{FF2B5EF4-FFF2-40B4-BE49-F238E27FC236}">
+                <a16:creationId xmlns:a16="http://schemas.microsoft.com/office/drawing/2014/main" id="{C6A36B35-B96E-864A-9FDD-58AA2BE7680D}"/>
+              </a:ext>
+            </a:extLst>
+          </p:cNvPr>
+          <p:cNvCxnSpPr/>
+          <p:nvPr/>
+        </p:nvCxnSpPr>
+        <p:spPr>
+          <a:xfrm>
+            <a:off x="2398533" y="2557743"/>
+            <a:ext cx="0" cy="432000"/>
+          </a:xfrm>
+          <a:prstGeom prst="line">
+            <a:avLst/>
+          </a:prstGeom>
+          <a:ln w="12700">
+            <a:prstDash val="dash"/>
+          </a:ln>
+        </p:spPr>
+        <p:style>
+          <a:lnRef idx="1">
+            <a:schemeClr val="accent3"/>
+          </a:lnRef>
+          <a:fillRef idx="0">
+            <a:schemeClr val="accent3"/>
+          </a:fillRef>
+          <a:effectRef idx="0">
+            <a:schemeClr val="accent3"/>
+          </a:effectRef>
+          <a:fontRef idx="minor">
+            <a:schemeClr val="tx1"/>
+          </a:fontRef>
+        </p:style>
+      </p:cxnSp>
+      <p:cxnSp>
+        <p:nvCxnSpPr>
+          <p:cNvPr id="61" name="Straight Connector 60">
+            <a:extLst>
+              <a:ext uri="{FF2B5EF4-FFF2-40B4-BE49-F238E27FC236}">
+                <a16:creationId xmlns:a16="http://schemas.microsoft.com/office/drawing/2014/main" id="{77135355-0C2C-E643-920F-6B3389B723E1}"/>
+              </a:ext>
+            </a:extLst>
+          </p:cNvPr>
+          <p:cNvCxnSpPr/>
+          <p:nvPr/>
+        </p:nvCxnSpPr>
+        <p:spPr>
+          <a:xfrm>
+            <a:off x="4313364" y="2557743"/>
+            <a:ext cx="0" cy="432000"/>
+          </a:xfrm>
+          <a:prstGeom prst="line">
+            <a:avLst/>
+          </a:prstGeom>
+          <a:ln w="12700">
+            <a:prstDash val="dash"/>
+          </a:ln>
+        </p:spPr>
+        <p:style>
+          <a:lnRef idx="1">
+            <a:schemeClr val="accent3"/>
+          </a:lnRef>
+          <a:fillRef idx="0">
+            <a:schemeClr val="accent3"/>
+          </a:fillRef>
+          <a:effectRef idx="0">
+            <a:schemeClr val="accent3"/>
+          </a:effectRef>
+          <a:fontRef idx="minor">
+            <a:schemeClr val="tx1"/>
+          </a:fontRef>
+        </p:style>
+      </p:cxnSp>
+      <p:cxnSp>
+        <p:nvCxnSpPr>
+          <p:cNvPr id="62" name="Straight Connector 61">
+            <a:extLst>
+              <a:ext uri="{FF2B5EF4-FFF2-40B4-BE49-F238E27FC236}">
+                <a16:creationId xmlns:a16="http://schemas.microsoft.com/office/drawing/2014/main" id="{9DAC8C86-D0B0-D44F-9EFB-FD9025B9954D}"/>
+              </a:ext>
+            </a:extLst>
+          </p:cNvPr>
+          <p:cNvCxnSpPr/>
+          <p:nvPr/>
+        </p:nvCxnSpPr>
+        <p:spPr>
+          <a:xfrm>
+            <a:off x="6096000" y="2557743"/>
+            <a:ext cx="0" cy="432000"/>
+          </a:xfrm>
+          <a:prstGeom prst="line">
+            <a:avLst/>
+          </a:prstGeom>
+          <a:ln w="12700">
+            <a:prstDash val="dash"/>
+          </a:ln>
+        </p:spPr>
+        <p:style>
+          <a:lnRef idx="1">
+            <a:schemeClr val="accent3"/>
+          </a:lnRef>
+          <a:fillRef idx="0">
+            <a:schemeClr val="accent3"/>
+          </a:fillRef>
+          <a:effectRef idx="0">
+            <a:schemeClr val="accent3"/>
+          </a:effectRef>
+          <a:fontRef idx="minor">
+            <a:schemeClr val="tx1"/>
+          </a:fontRef>
+        </p:style>
+      </p:cxnSp>
+      <p:cxnSp>
+        <p:nvCxnSpPr>
+          <p:cNvPr id="63" name="Straight Connector 62">
+            <a:extLst>
+              <a:ext uri="{FF2B5EF4-FFF2-40B4-BE49-F238E27FC236}">
+                <a16:creationId xmlns:a16="http://schemas.microsoft.com/office/drawing/2014/main" id="{15E0B92E-FFCC-6441-9E31-0909FF4C41F7}"/>
+              </a:ext>
+            </a:extLst>
+          </p:cNvPr>
+          <p:cNvCxnSpPr/>
+          <p:nvPr/>
+        </p:nvCxnSpPr>
+        <p:spPr>
+          <a:xfrm>
+            <a:off x="8192845" y="2557743"/>
+            <a:ext cx="0" cy="432000"/>
+          </a:xfrm>
+          <a:prstGeom prst="line">
+            <a:avLst/>
+          </a:prstGeom>
+          <a:ln w="12700">
+            <a:prstDash val="dash"/>
+          </a:ln>
+        </p:spPr>
+        <p:style>
+          <a:lnRef idx="1">
+            <a:schemeClr val="accent3"/>
+          </a:lnRef>
+          <a:fillRef idx="0">
+            <a:schemeClr val="accent3"/>
+          </a:fillRef>
+          <a:effectRef idx="0">
+            <a:schemeClr val="accent3"/>
+          </a:effectRef>
+          <a:fontRef idx="minor">
+            <a:schemeClr val="tx1"/>
+          </a:fontRef>
+        </p:style>
+      </p:cxnSp>
+      <p:cxnSp>
+        <p:nvCxnSpPr>
+          <p:cNvPr id="64" name="Straight Connector 63">
+            <a:extLst>
+              <a:ext uri="{FF2B5EF4-FFF2-40B4-BE49-F238E27FC236}">
+                <a16:creationId xmlns:a16="http://schemas.microsoft.com/office/drawing/2014/main" id="{08DC5793-DD95-6649-A82B-5D25ED6631C0}"/>
+              </a:ext>
+            </a:extLst>
+          </p:cNvPr>
+          <p:cNvCxnSpPr/>
+          <p:nvPr/>
+        </p:nvCxnSpPr>
+        <p:spPr>
+          <a:xfrm>
+            <a:off x="9950161" y="2557743"/>
+            <a:ext cx="0" cy="432000"/>
+          </a:xfrm>
+          <a:prstGeom prst="line">
+            <a:avLst/>
+          </a:prstGeom>
+          <a:ln w="12700">
+            <a:prstDash val="dash"/>
+          </a:ln>
+        </p:spPr>
+        <p:style>
+          <a:lnRef idx="1">
+            <a:schemeClr val="accent3"/>
+          </a:lnRef>
+          <a:fillRef idx="0">
+            <a:schemeClr val="accent3"/>
+          </a:fillRef>
+          <a:effectRef idx="0">
+            <a:schemeClr val="accent3"/>
+          </a:effectRef>
+          <a:fontRef idx="minor">
+            <a:schemeClr val="tx1"/>
+          </a:fontRef>
+        </p:style>
+      </p:cxnSp>
+      <p:cxnSp>
+        <p:nvCxnSpPr>
+          <p:cNvPr id="65" name="Straight Connector 64">
+            <a:extLst>
+              <a:ext uri="{FF2B5EF4-FFF2-40B4-BE49-F238E27FC236}">
+                <a16:creationId xmlns:a16="http://schemas.microsoft.com/office/drawing/2014/main" id="{65D181C6-D2F6-5F40-BE1E-082E2F36C568}"/>
+              </a:ext>
+            </a:extLst>
+          </p:cNvPr>
+          <p:cNvCxnSpPr/>
+          <p:nvPr/>
+        </p:nvCxnSpPr>
+        <p:spPr>
+          <a:xfrm>
+            <a:off x="11617465" y="2557743"/>
+            <a:ext cx="0" cy="432000"/>
+          </a:xfrm>
+          <a:prstGeom prst="line">
+            <a:avLst/>
+          </a:prstGeom>
+          <a:ln w="12700">
+            <a:prstDash val="dash"/>
+          </a:ln>
+        </p:spPr>
+        <p:style>
+          <a:lnRef idx="1">
+            <a:schemeClr val="accent3"/>
+          </a:lnRef>
+          <a:fillRef idx="0">
+            <a:schemeClr val="accent3"/>
+          </a:fillRef>
+          <a:effectRef idx="0">
+            <a:schemeClr val="accent3"/>
+          </a:effectRef>
+          <a:fontRef idx="minor">
+            <a:schemeClr val="tx1"/>
+          </a:fontRef>
+        </p:style>
+      </p:cxnSp>
+      <p:cxnSp>
+        <p:nvCxnSpPr>
+          <p:cNvPr id="66" name="Straight Connector 65">
+            <a:extLst>
+              <a:ext uri="{FF2B5EF4-FFF2-40B4-BE49-F238E27FC236}">
+                <a16:creationId xmlns:a16="http://schemas.microsoft.com/office/drawing/2014/main" id="{7CEAC06E-6FBC-9D49-A512-EF8E71069DFD}"/>
+              </a:ext>
+            </a:extLst>
+          </p:cNvPr>
+          <p:cNvCxnSpPr/>
+          <p:nvPr/>
+        </p:nvCxnSpPr>
+        <p:spPr>
+          <a:xfrm>
+            <a:off x="8186479" y="4338620"/>
+            <a:ext cx="0" cy="432000"/>
+          </a:xfrm>
+          <a:prstGeom prst="line">
+            <a:avLst/>
+          </a:prstGeom>
+          <a:ln w="12700">
+            <a:prstDash val="dash"/>
+          </a:ln>
+        </p:spPr>
+        <p:style>
+          <a:lnRef idx="1">
+            <a:schemeClr val="accent3"/>
+          </a:lnRef>
+          <a:fillRef idx="0">
+            <a:schemeClr val="accent3"/>
+          </a:fillRef>
+          <a:effectRef idx="0">
+            <a:schemeClr val="accent3"/>
+          </a:effectRef>
+          <a:fontRef idx="minor">
+            <a:schemeClr val="tx1"/>
+          </a:fontRef>
+        </p:style>
+      </p:cxnSp>
+      <p:cxnSp>
+        <p:nvCxnSpPr>
+          <p:cNvPr id="67" name="Straight Connector 66">
+            <a:extLst>
+              <a:ext uri="{FF2B5EF4-FFF2-40B4-BE49-F238E27FC236}">
+                <a16:creationId xmlns:a16="http://schemas.microsoft.com/office/drawing/2014/main" id="{7CD11C52-760D-AB45-99A1-C87D491F9085}"/>
+              </a:ext>
+            </a:extLst>
+          </p:cNvPr>
+          <p:cNvCxnSpPr/>
+          <p:nvPr/>
+        </p:nvCxnSpPr>
+        <p:spPr>
+          <a:xfrm>
+            <a:off x="8139992" y="1390544"/>
+            <a:ext cx="0" cy="432000"/>
+          </a:xfrm>
+          <a:prstGeom prst="line">
+            <a:avLst/>
+          </a:prstGeom>
+          <a:ln w="12700">
+            <a:prstDash val="dash"/>
+          </a:ln>
+        </p:spPr>
+        <p:style>
+          <a:lnRef idx="1">
+            <a:schemeClr val="accent3"/>
+          </a:lnRef>
+          <a:fillRef idx="0">
+            <a:schemeClr val="accent3"/>
+          </a:fillRef>
+          <a:effectRef idx="0">
+            <a:schemeClr val="accent3"/>
+          </a:effectRef>
+          <a:fontRef idx="minor">
+            <a:schemeClr val="tx1"/>
+          </a:fontRef>
+        </p:style>
+      </p:cxnSp>
+      <p:cxnSp>
+        <p:nvCxnSpPr>
+          <p:cNvPr id="68" name="Straight Connector 67">
+            <a:extLst>
+              <a:ext uri="{FF2B5EF4-FFF2-40B4-BE49-F238E27FC236}">
+                <a16:creationId xmlns:a16="http://schemas.microsoft.com/office/drawing/2014/main" id="{2F078702-42BB-014F-9B16-AACA1E49CD09}"/>
+              </a:ext>
+            </a:extLst>
+          </p:cNvPr>
+          <p:cNvCxnSpPr>
+            <a:cxnSpLocks/>
+          </p:cNvCxnSpPr>
+          <p:nvPr/>
+        </p:nvCxnSpPr>
+        <p:spPr>
+          <a:xfrm flipH="1">
+            <a:off x="9223267" y="3663578"/>
+            <a:ext cx="216000" cy="0"/>
+          </a:xfrm>
+          <a:prstGeom prst="line">
+            <a:avLst/>
+          </a:prstGeom>
+          <a:ln w="12700">
+            <a:prstDash val="dash"/>
+          </a:ln>
+        </p:spPr>
+        <p:style>
+          <a:lnRef idx="1">
+            <a:schemeClr val="accent3"/>
+          </a:lnRef>
+          <a:fillRef idx="0">
+            <a:schemeClr val="accent3"/>
+          </a:fillRef>
+          <a:effectRef idx="0">
+            <a:schemeClr val="accent3"/>
+          </a:effectRef>
+          <a:fontRef idx="minor">
+            <a:schemeClr val="tx1"/>
+          </a:fontRef>
+        </p:style>
+      </p:cxnSp>
+      <p:cxnSp>
+        <p:nvCxnSpPr>
+          <p:cNvPr id="71" name="Straight Arrow Connector 37">
+            <a:extLst>
+              <a:ext uri="{FF2B5EF4-FFF2-40B4-BE49-F238E27FC236}">
+                <a16:creationId xmlns:a16="http://schemas.microsoft.com/office/drawing/2014/main" id="{51290E7C-AC38-2F47-BB1B-017A787FCC79}"/>
+              </a:ext>
+            </a:extLst>
+          </p:cNvPr>
+          <p:cNvCxnSpPr>
+            <a:cxnSpLocks/>
+            <a:stCxn id="37" idx="3"/>
+            <a:endCxn id="45" idx="0"/>
+          </p:cNvCxnSpPr>
+          <p:nvPr/>
+        </p:nvCxnSpPr>
+        <p:spPr>
+          <a:xfrm>
+            <a:off x="7811398" y="1862653"/>
+            <a:ext cx="1307599" cy="735179"/>
+          </a:xfrm>
+          <a:prstGeom prst="bentConnector2">
+            <a:avLst/>
+          </a:prstGeom>
+          <a:ln w="38100">
+            <a:tailEnd type="triangle"/>
+          </a:ln>
+        </p:spPr>
+        <p:style>
+          <a:lnRef idx="2">
+            <a:schemeClr val="accent1"/>
+          </a:lnRef>
+          <a:fillRef idx="0">
+            <a:schemeClr val="accent1"/>
+          </a:fillRef>
+          <a:effectRef idx="1">
+            <a:schemeClr val="accent1"/>
+          </a:effectRef>
+          <a:fontRef idx="minor">
+            <a:schemeClr val="tx1"/>
+          </a:fontRef>
+        </p:style>
+      </p:cxnSp>
+      <p:sp>
+        <p:nvSpPr>
+          <p:cNvPr id="74" name="TextBox 73">
+            <a:extLst>
+              <a:ext uri="{FF2B5EF4-FFF2-40B4-BE49-F238E27FC236}">
+                <a16:creationId xmlns:a16="http://schemas.microsoft.com/office/drawing/2014/main" id="{D0B27E8D-D235-A549-A335-A1AFB534A9EC}"/>
+              </a:ext>
+            </a:extLst>
+          </p:cNvPr>
+          <p:cNvSpPr txBox="1"/>
+          <p:nvPr/>
+        </p:nvSpPr>
+        <p:spPr>
+          <a:xfrm>
+            <a:off x="173105" y="3135174"/>
+            <a:ext cx="11641328" cy="276999"/>
+          </a:xfrm>
+          <a:prstGeom prst="rect">
+            <a:avLst/>
+          </a:prstGeom>
+          <a:noFill/>
+        </p:spPr>
+        <p:txBody>
+          <a:bodyPr wrap="none" rtlCol="0">
+            <a:spAutoFit/>
+          </a:bodyPr>
+          <a:lstStyle/>
+          <a:p>
+            <a:r>
+              <a:rPr lang="en-US" sz="1200" dirty="0">
+                <a:solidFill>
+                  <a:srgbClr val="0432FF"/>
+                </a:solidFill>
+              </a:rPr>
+              <a:t>1589                                                289                                                 289                                             30                                                      12                                                34                                            6</a:t>
+            </a:r>
+          </a:p>
+        </p:txBody>
+      </p:sp>
+      <p:sp>
+        <p:nvSpPr>
+          <p:cNvPr id="75" name="Rectangle 74">
+            <a:extLst>
+              <a:ext uri="{FF2B5EF4-FFF2-40B4-BE49-F238E27FC236}">
+                <a16:creationId xmlns:a16="http://schemas.microsoft.com/office/drawing/2014/main" id="{E2C25147-20E3-9741-B3C6-16FE26541F90}"/>
+              </a:ext>
+            </a:extLst>
+          </p:cNvPr>
+          <p:cNvSpPr/>
+          <p:nvPr/>
+        </p:nvSpPr>
+        <p:spPr>
+          <a:xfrm>
+            <a:off x="7926750" y="1871447"/>
+            <a:ext cx="341760" cy="276999"/>
+          </a:xfrm>
+          <a:prstGeom prst="rect">
+            <a:avLst/>
+          </a:prstGeom>
+        </p:spPr>
+        <p:txBody>
+          <a:bodyPr wrap="none">
+            <a:spAutoFit/>
+          </a:bodyPr>
+          <a:lstStyle/>
+          <a:p>
+            <a:r>
+              <a:rPr lang="en-US" sz="1200" dirty="0">
+                <a:solidFill>
+                  <a:srgbClr val="0432FF"/>
+                </a:solidFill>
+              </a:rPr>
+              <a:t>16</a:t>
+            </a:r>
+            <a:endParaRPr lang="en-US" sz="1200" dirty="0"/>
+          </a:p>
+        </p:txBody>
+      </p:sp>
+      <p:sp>
+        <p:nvSpPr>
+          <p:cNvPr id="76" name="Rectangle 75">
+            <a:extLst>
+              <a:ext uri="{FF2B5EF4-FFF2-40B4-BE49-F238E27FC236}">
+                <a16:creationId xmlns:a16="http://schemas.microsoft.com/office/drawing/2014/main" id="{95A0795B-1D96-C84D-8266-4E87EDAA1FC4}"/>
+              </a:ext>
+            </a:extLst>
+          </p:cNvPr>
+          <p:cNvSpPr/>
+          <p:nvPr/>
+        </p:nvSpPr>
+        <p:spPr>
+          <a:xfrm>
+            <a:off x="7992218" y="3923121"/>
+            <a:ext cx="341760" cy="276999"/>
+          </a:xfrm>
+          <a:prstGeom prst="rect">
+            <a:avLst/>
+          </a:prstGeom>
+        </p:spPr>
+        <p:txBody>
+          <a:bodyPr wrap="none">
+            <a:spAutoFit/>
+          </a:bodyPr>
+          <a:lstStyle/>
+          <a:p>
+            <a:r>
+              <a:rPr lang="en-US" sz="1200" dirty="0">
+                <a:solidFill>
+                  <a:srgbClr val="0432FF"/>
+                </a:solidFill>
+              </a:rPr>
+              <a:t>10</a:t>
+            </a:r>
+            <a:endParaRPr lang="en-US" sz="1200" dirty="0"/>
+          </a:p>
+        </p:txBody>
+      </p:sp>
+      <p:sp>
+        <p:nvSpPr>
+          <p:cNvPr id="77" name="Rectangle 76">
+            <a:extLst>
+              <a:ext uri="{FF2B5EF4-FFF2-40B4-BE49-F238E27FC236}">
+                <a16:creationId xmlns:a16="http://schemas.microsoft.com/office/drawing/2014/main" id="{53137AB8-9E17-E04E-82E3-0EF1BB7C1494}"/>
+              </a:ext>
+            </a:extLst>
+          </p:cNvPr>
+          <p:cNvSpPr/>
+          <p:nvPr/>
+        </p:nvSpPr>
+        <p:spPr>
+          <a:xfrm>
+            <a:off x="8696554" y="3508106"/>
+            <a:ext cx="263214" cy="276999"/>
+          </a:xfrm>
+          <a:prstGeom prst="rect">
+            <a:avLst/>
+          </a:prstGeom>
+        </p:spPr>
+        <p:txBody>
+          <a:bodyPr wrap="none">
+            <a:spAutoFit/>
+          </a:bodyPr>
+          <a:lstStyle/>
+          <a:p>
+            <a:r>
+              <a:rPr lang="en-US" sz="1200" dirty="0">
+                <a:solidFill>
+                  <a:srgbClr val="0432FF"/>
+                </a:solidFill>
+              </a:rPr>
+              <a:t>6</a:t>
+            </a:r>
+            <a:endParaRPr lang="en-US" sz="1200" dirty="0"/>
+          </a:p>
+        </p:txBody>
+      </p:sp>
+      <p:sp>
+        <p:nvSpPr>
+          <p:cNvPr id="79" name="TextBox 78">
+            <a:extLst>
+              <a:ext uri="{FF2B5EF4-FFF2-40B4-BE49-F238E27FC236}">
+                <a16:creationId xmlns:a16="http://schemas.microsoft.com/office/drawing/2014/main" id="{8171009B-388E-1D4B-B94F-AA8A47F4024C}"/>
+              </a:ext>
+            </a:extLst>
+          </p:cNvPr>
+          <p:cNvSpPr txBox="1"/>
+          <p:nvPr/>
+        </p:nvSpPr>
+        <p:spPr>
+          <a:xfrm>
+            <a:off x="872411" y="2606343"/>
+            <a:ext cx="343364" cy="276999"/>
+          </a:xfrm>
+          <a:prstGeom prst="rect">
+            <a:avLst/>
+          </a:prstGeom>
+          <a:noFill/>
+        </p:spPr>
+        <p:txBody>
+          <a:bodyPr wrap="none" rtlCol="0">
+            <a:spAutoFit/>
+          </a:bodyPr>
+          <a:lstStyle/>
+          <a:p>
+            <a:r>
+              <a:rPr lang="en-US" sz="1200" dirty="0">
+                <a:solidFill>
+                  <a:srgbClr val="FFFF00"/>
+                </a:solidFill>
+              </a:rPr>
+              <a:t>P1</a:t>
+            </a:r>
+          </a:p>
+        </p:txBody>
+      </p:sp>
+      <p:sp>
+        <p:nvSpPr>
+          <p:cNvPr id="80" name="TextBox 79">
+            <a:extLst>
+              <a:ext uri="{FF2B5EF4-FFF2-40B4-BE49-F238E27FC236}">
+                <a16:creationId xmlns:a16="http://schemas.microsoft.com/office/drawing/2014/main" id="{DBA71BD8-BBAC-2142-A732-4630B68E9EF8}"/>
+              </a:ext>
+            </a:extLst>
+          </p:cNvPr>
+          <p:cNvSpPr txBox="1"/>
+          <p:nvPr/>
+        </p:nvSpPr>
+        <p:spPr>
+          <a:xfrm>
+            <a:off x="2793303" y="2597832"/>
+            <a:ext cx="343364" cy="276999"/>
+          </a:xfrm>
+          <a:prstGeom prst="rect">
+            <a:avLst/>
+          </a:prstGeom>
+          <a:noFill/>
+        </p:spPr>
+        <p:txBody>
+          <a:bodyPr wrap="none" rtlCol="0">
+            <a:spAutoFit/>
+          </a:bodyPr>
+          <a:lstStyle/>
+          <a:p>
+            <a:r>
+              <a:rPr lang="en-US" sz="1200" dirty="0">
+                <a:solidFill>
+                  <a:srgbClr val="FFFF00"/>
+                </a:solidFill>
+              </a:rPr>
+              <a:t>P2</a:t>
+            </a:r>
+          </a:p>
+        </p:txBody>
+      </p:sp>
+      <p:sp>
+        <p:nvSpPr>
+          <p:cNvPr id="81" name="TextBox 80">
+            <a:extLst>
+              <a:ext uri="{FF2B5EF4-FFF2-40B4-BE49-F238E27FC236}">
+                <a16:creationId xmlns:a16="http://schemas.microsoft.com/office/drawing/2014/main" id="{EAE77DB9-57E7-F845-AFA1-0AB79EA580D8}"/>
+              </a:ext>
+            </a:extLst>
+          </p:cNvPr>
+          <p:cNvSpPr txBox="1"/>
+          <p:nvPr/>
+        </p:nvSpPr>
+        <p:spPr>
+          <a:xfrm>
+            <a:off x="4756168" y="2586001"/>
+            <a:ext cx="343364" cy="276999"/>
+          </a:xfrm>
+          <a:prstGeom prst="rect">
+            <a:avLst/>
+          </a:prstGeom>
+          <a:noFill/>
+        </p:spPr>
+        <p:txBody>
+          <a:bodyPr wrap="none" rtlCol="0">
+            <a:spAutoFit/>
+          </a:bodyPr>
+          <a:lstStyle/>
+          <a:p>
+            <a:r>
+              <a:rPr lang="en-US" sz="1200" dirty="0">
+                <a:solidFill>
+                  <a:srgbClr val="FFFF00"/>
+                </a:solidFill>
+              </a:rPr>
+              <a:t>P3</a:t>
+            </a:r>
+          </a:p>
+        </p:txBody>
+      </p:sp>
+      <p:sp>
+        <p:nvSpPr>
+          <p:cNvPr id="82" name="TextBox 81">
+            <a:extLst>
+              <a:ext uri="{FF2B5EF4-FFF2-40B4-BE49-F238E27FC236}">
+                <a16:creationId xmlns:a16="http://schemas.microsoft.com/office/drawing/2014/main" id="{B4618974-18E5-174C-8B9C-C5A5DCF1116D}"/>
+              </a:ext>
+            </a:extLst>
+          </p:cNvPr>
+          <p:cNvSpPr txBox="1"/>
+          <p:nvPr/>
+        </p:nvSpPr>
+        <p:spPr>
+          <a:xfrm>
+            <a:off x="6629605" y="1362673"/>
+            <a:ext cx="343364" cy="276999"/>
+          </a:xfrm>
+          <a:prstGeom prst="rect">
+            <a:avLst/>
+          </a:prstGeom>
+          <a:noFill/>
+        </p:spPr>
+        <p:txBody>
+          <a:bodyPr wrap="none" rtlCol="0">
+            <a:spAutoFit/>
+          </a:bodyPr>
+          <a:lstStyle/>
+          <a:p>
+            <a:r>
+              <a:rPr lang="en-US" sz="1200" dirty="0">
+                <a:solidFill>
+                  <a:srgbClr val="FFFF00"/>
+                </a:solidFill>
+              </a:rPr>
+              <a:t>P4</a:t>
+            </a:r>
+          </a:p>
+        </p:txBody>
+      </p:sp>
+      <p:sp>
+        <p:nvSpPr>
+          <p:cNvPr id="83" name="TextBox 82">
+            <a:extLst>
+              <a:ext uri="{FF2B5EF4-FFF2-40B4-BE49-F238E27FC236}">
+                <a16:creationId xmlns:a16="http://schemas.microsoft.com/office/drawing/2014/main" id="{F20F0D9A-D3CD-1847-8237-B7569823F74E}"/>
+              </a:ext>
+            </a:extLst>
+          </p:cNvPr>
+          <p:cNvSpPr txBox="1"/>
+          <p:nvPr/>
+        </p:nvSpPr>
+        <p:spPr>
+          <a:xfrm>
+            <a:off x="6649795" y="2597831"/>
+            <a:ext cx="343364" cy="276999"/>
+          </a:xfrm>
+          <a:prstGeom prst="rect">
+            <a:avLst/>
+          </a:prstGeom>
+          <a:noFill/>
+        </p:spPr>
+        <p:txBody>
+          <a:bodyPr wrap="none" rtlCol="0">
+            <a:spAutoFit/>
+          </a:bodyPr>
+          <a:lstStyle/>
+          <a:p>
+            <a:r>
+              <a:rPr lang="en-US" sz="1200" dirty="0">
+                <a:solidFill>
+                  <a:srgbClr val="FFFF00"/>
+                </a:solidFill>
+              </a:rPr>
+              <a:t>P5</a:t>
+            </a:r>
+          </a:p>
+        </p:txBody>
+      </p:sp>
+      <p:sp>
+        <p:nvSpPr>
+          <p:cNvPr id="84" name="TextBox 83">
+            <a:extLst>
+              <a:ext uri="{FF2B5EF4-FFF2-40B4-BE49-F238E27FC236}">
+                <a16:creationId xmlns:a16="http://schemas.microsoft.com/office/drawing/2014/main" id="{E4BE9CE4-2683-EB4B-92DF-1773F1B38905}"/>
+              </a:ext>
+            </a:extLst>
+          </p:cNvPr>
+          <p:cNvSpPr txBox="1"/>
+          <p:nvPr/>
+        </p:nvSpPr>
+        <p:spPr>
+          <a:xfrm>
+            <a:off x="6659038" y="3796440"/>
+            <a:ext cx="343364" cy="276999"/>
+          </a:xfrm>
+          <a:prstGeom prst="rect">
+            <a:avLst/>
+          </a:prstGeom>
+          <a:noFill/>
+        </p:spPr>
+        <p:txBody>
+          <a:bodyPr wrap="none" rtlCol="0">
+            <a:spAutoFit/>
+          </a:bodyPr>
+          <a:lstStyle/>
+          <a:p>
+            <a:r>
+              <a:rPr lang="en-US" sz="1200" dirty="0">
+                <a:solidFill>
+                  <a:srgbClr val="FFFF00"/>
+                </a:solidFill>
+              </a:rPr>
+              <a:t>P6</a:t>
+            </a:r>
+          </a:p>
+        </p:txBody>
+      </p:sp>
+      <p:sp>
+        <p:nvSpPr>
+          <p:cNvPr id="85" name="TextBox 84">
+            <a:extLst>
+              <a:ext uri="{FF2B5EF4-FFF2-40B4-BE49-F238E27FC236}">
+                <a16:creationId xmlns:a16="http://schemas.microsoft.com/office/drawing/2014/main" id="{04D60EAE-EB9C-B944-B0EE-C67D5F666335}"/>
+              </a:ext>
+            </a:extLst>
+          </p:cNvPr>
+          <p:cNvSpPr txBox="1"/>
+          <p:nvPr/>
+        </p:nvSpPr>
+        <p:spPr>
+          <a:xfrm>
+            <a:off x="8562557" y="2586000"/>
+            <a:ext cx="343364" cy="276999"/>
+          </a:xfrm>
+          <a:prstGeom prst="rect">
+            <a:avLst/>
+          </a:prstGeom>
+          <a:noFill/>
+        </p:spPr>
+        <p:txBody>
+          <a:bodyPr wrap="none" rtlCol="0">
+            <a:spAutoFit/>
+          </a:bodyPr>
+          <a:lstStyle/>
+          <a:p>
+            <a:r>
+              <a:rPr lang="en-US" sz="1200" dirty="0">
+                <a:solidFill>
+                  <a:srgbClr val="FFFF00"/>
+                </a:solidFill>
+              </a:rPr>
+              <a:t>P8</a:t>
+            </a:r>
+          </a:p>
+        </p:txBody>
+      </p:sp>
+      <p:sp>
+        <p:nvSpPr>
+          <p:cNvPr id="86" name="TextBox 85">
+            <a:extLst>
+              <a:ext uri="{FF2B5EF4-FFF2-40B4-BE49-F238E27FC236}">
+                <a16:creationId xmlns:a16="http://schemas.microsoft.com/office/drawing/2014/main" id="{74DCD6A1-CCE7-C34D-96DC-27FC33D8B788}"/>
+              </a:ext>
+            </a:extLst>
+          </p:cNvPr>
+          <p:cNvSpPr txBox="1"/>
+          <p:nvPr/>
+        </p:nvSpPr>
+        <p:spPr>
+          <a:xfrm>
+            <a:off x="8575879" y="3809399"/>
+            <a:ext cx="343364" cy="276999"/>
+          </a:xfrm>
+          <a:prstGeom prst="rect">
+            <a:avLst/>
+          </a:prstGeom>
+          <a:noFill/>
+        </p:spPr>
+        <p:txBody>
+          <a:bodyPr wrap="none" rtlCol="0">
+            <a:spAutoFit/>
+          </a:bodyPr>
+          <a:lstStyle/>
+          <a:p>
+            <a:r>
+              <a:rPr lang="en-US" sz="1200" dirty="0">
+                <a:solidFill>
+                  <a:srgbClr val="FFFF00"/>
+                </a:solidFill>
+              </a:rPr>
+              <a:t>P7</a:t>
+            </a:r>
+          </a:p>
+        </p:txBody>
+      </p:sp>
+      <p:sp>
+        <p:nvSpPr>
+          <p:cNvPr id="87" name="TextBox 86">
+            <a:extLst>
+              <a:ext uri="{FF2B5EF4-FFF2-40B4-BE49-F238E27FC236}">
+                <a16:creationId xmlns:a16="http://schemas.microsoft.com/office/drawing/2014/main" id="{72E33B5D-A3FB-064B-9540-3C2F0232C5EF}"/>
+              </a:ext>
+            </a:extLst>
+          </p:cNvPr>
+          <p:cNvSpPr txBox="1"/>
+          <p:nvPr/>
+        </p:nvSpPr>
+        <p:spPr>
+          <a:xfrm>
+            <a:off x="10258051" y="2610332"/>
+            <a:ext cx="343364" cy="276999"/>
+          </a:xfrm>
+          <a:prstGeom prst="rect">
+            <a:avLst/>
+          </a:prstGeom>
+          <a:noFill/>
+        </p:spPr>
+        <p:txBody>
+          <a:bodyPr wrap="none" rtlCol="0">
+            <a:spAutoFit/>
+          </a:bodyPr>
+          <a:lstStyle/>
+          <a:p>
+            <a:r>
+              <a:rPr lang="en-US" sz="1200" dirty="0">
+                <a:solidFill>
+                  <a:srgbClr val="FFFF00"/>
+                </a:solidFill>
+              </a:rPr>
+              <a:t>P8</a:t>
+            </a:r>
+          </a:p>
+        </p:txBody>
+      </p:sp>
+      <p:sp>
+        <p:nvSpPr>
+          <p:cNvPr id="51" name="TextBox 50">
+            <a:extLst>
+              <a:ext uri="{FF2B5EF4-FFF2-40B4-BE49-F238E27FC236}">
+                <a16:creationId xmlns:a16="http://schemas.microsoft.com/office/drawing/2014/main" id="{636C9853-61ED-20FD-BB33-96DBFD35523F}"/>
+              </a:ext>
+            </a:extLst>
+          </p:cNvPr>
+          <p:cNvSpPr txBox="1"/>
+          <p:nvPr/>
+        </p:nvSpPr>
+        <p:spPr>
+          <a:xfrm>
+            <a:off x="184935" y="1767155"/>
+            <a:ext cx="6118983" cy="369332"/>
+          </a:xfrm>
+          <a:prstGeom prst="rect">
+            <a:avLst/>
+          </a:prstGeom>
+          <a:noFill/>
+        </p:spPr>
+        <p:txBody>
+          <a:bodyPr wrap="none" rtlCol="0">
+            <a:spAutoFit/>
+          </a:bodyPr>
+          <a:lstStyle/>
+          <a:p>
+            <a:r>
+              <a:rPr lang="en-CL" dirty="0">
+                <a:solidFill>
+                  <a:srgbClr val="FF0000"/>
+                </a:solidFill>
+              </a:rPr>
+              <a:t>53%                                 56%                          72%                  83% </a:t>
+            </a:r>
+          </a:p>
+        </p:txBody>
+      </p:sp>
+      <p:sp>
+        <p:nvSpPr>
+          <p:cNvPr id="55" name="TextBox 54">
+            <a:extLst>
+              <a:ext uri="{FF2B5EF4-FFF2-40B4-BE49-F238E27FC236}">
+                <a16:creationId xmlns:a16="http://schemas.microsoft.com/office/drawing/2014/main" id="{E3827737-8C61-4360-3F09-83AE7290DD95}"/>
+              </a:ext>
+            </a:extLst>
+          </p:cNvPr>
+          <p:cNvSpPr txBox="1"/>
+          <p:nvPr/>
+        </p:nvSpPr>
+        <p:spPr>
+          <a:xfrm>
+            <a:off x="7929937" y="2063393"/>
+            <a:ext cx="4038285" cy="369332"/>
+          </a:xfrm>
+          <a:prstGeom prst="rect">
+            <a:avLst/>
+          </a:prstGeom>
+          <a:noFill/>
+        </p:spPr>
+        <p:txBody>
+          <a:bodyPr wrap="none" rtlCol="0">
+            <a:spAutoFit/>
+          </a:bodyPr>
+          <a:lstStyle/>
+          <a:p>
+            <a:r>
+              <a:rPr lang="en-CL" dirty="0">
+                <a:solidFill>
+                  <a:srgbClr val="FF0000"/>
+                </a:solidFill>
+              </a:rPr>
+              <a:t>92%                         94%                       100%</a:t>
+            </a:r>
+          </a:p>
+        </p:txBody>
+      </p:sp>
+      <p:sp>
+        <p:nvSpPr>
+          <p:cNvPr id="58" name="TextBox 57">
+            <a:extLst>
+              <a:ext uri="{FF2B5EF4-FFF2-40B4-BE49-F238E27FC236}">
+                <a16:creationId xmlns:a16="http://schemas.microsoft.com/office/drawing/2014/main" id="{1710B1A0-5539-E6B7-A637-7C954D32A8AA}"/>
+              </a:ext>
+            </a:extLst>
+          </p:cNvPr>
+          <p:cNvSpPr txBox="1"/>
+          <p:nvPr/>
+        </p:nvSpPr>
+        <p:spPr>
+          <a:xfrm>
+            <a:off x="7827195" y="799672"/>
+            <a:ext cx="583814" cy="369332"/>
+          </a:xfrm>
+          <a:prstGeom prst="rect">
+            <a:avLst/>
+          </a:prstGeom>
+          <a:noFill/>
+        </p:spPr>
+        <p:txBody>
+          <a:bodyPr wrap="none" rtlCol="0">
+            <a:spAutoFit/>
+          </a:bodyPr>
+          <a:lstStyle/>
+          <a:p>
+            <a:r>
+              <a:rPr lang="en-CL" dirty="0">
+                <a:solidFill>
+                  <a:srgbClr val="FF0000"/>
+                </a:solidFill>
+              </a:rPr>
+              <a:t>92%</a:t>
+            </a:r>
+          </a:p>
+        </p:txBody>
+      </p:sp>
+      <p:sp>
+        <p:nvSpPr>
+          <p:cNvPr id="69" name="TextBox 68">
+            <a:extLst>
+              <a:ext uri="{FF2B5EF4-FFF2-40B4-BE49-F238E27FC236}">
+                <a16:creationId xmlns:a16="http://schemas.microsoft.com/office/drawing/2014/main" id="{C22F45CC-E2C5-9C3C-9FE9-2A94C6ED318E}"/>
+              </a:ext>
+            </a:extLst>
+          </p:cNvPr>
+          <p:cNvSpPr txBox="1"/>
+          <p:nvPr/>
+        </p:nvSpPr>
+        <p:spPr>
+          <a:xfrm>
+            <a:off x="7907676" y="5010364"/>
+            <a:ext cx="583814" cy="369332"/>
+          </a:xfrm>
+          <a:prstGeom prst="rect">
+            <a:avLst/>
+          </a:prstGeom>
+          <a:noFill/>
+        </p:spPr>
+        <p:txBody>
+          <a:bodyPr wrap="none" rtlCol="0">
+            <a:spAutoFit/>
+          </a:bodyPr>
+          <a:lstStyle/>
+          <a:p>
+            <a:r>
+              <a:rPr lang="en-CL" dirty="0">
+                <a:solidFill>
+                  <a:srgbClr val="FF0000"/>
+                </a:solidFill>
+              </a:rPr>
+              <a:t>92%</a:t>
+            </a:r>
+          </a:p>
+        </p:txBody>
+      </p:sp>
+    </p:spTree>
+    <p:extLst>
+      <p:ext uri="{BB962C8B-B14F-4D97-AF65-F5344CB8AC3E}">
+        <p14:creationId xmlns:p14="http://schemas.microsoft.com/office/powerpoint/2010/main" val="1891580262"/>
       </p:ext>
     </p:extLst>
   </p:cSld>

--- a/clases/Cap03_Seleccion_de_Caracteristicas/presentations/PAT03_Ejercicio08.pptx
+++ b/clases/Cap03_Seleccion_de_Caracteristicas/presentations/PAT03_Ejercicio08.pptx
@@ -262,7 +262,7 @@
           <a:p>
             <a:fld id="{233E2962-3972-0441-AA79-DE2591D47C81}" type="datetimeFigureOut">
               <a:rPr lang="en-US" smtClean="0"/>
-              <a:t>5/2/22</a:t>
+              <a:t>5/15/23</a:t>
             </a:fld>
             <a:endParaRPr lang="en-US"/>
           </a:p>
@@ -462,7 +462,7 @@
           <a:p>
             <a:fld id="{233E2962-3972-0441-AA79-DE2591D47C81}" type="datetimeFigureOut">
               <a:rPr lang="en-US" smtClean="0"/>
-              <a:t>5/2/22</a:t>
+              <a:t>5/15/23</a:t>
             </a:fld>
             <a:endParaRPr lang="en-US"/>
           </a:p>
@@ -672,7 +672,7 @@
           <a:p>
             <a:fld id="{233E2962-3972-0441-AA79-DE2591D47C81}" type="datetimeFigureOut">
               <a:rPr lang="en-US" smtClean="0"/>
-              <a:t>5/2/22</a:t>
+              <a:t>5/15/23</a:t>
             </a:fld>
             <a:endParaRPr lang="en-US"/>
           </a:p>
@@ -872,7 +872,7 @@
           <a:p>
             <a:fld id="{233E2962-3972-0441-AA79-DE2591D47C81}" type="datetimeFigureOut">
               <a:rPr lang="en-US" smtClean="0"/>
-              <a:t>5/2/22</a:t>
+              <a:t>5/15/23</a:t>
             </a:fld>
             <a:endParaRPr lang="en-US"/>
           </a:p>
@@ -1148,7 +1148,7 @@
           <a:p>
             <a:fld id="{233E2962-3972-0441-AA79-DE2591D47C81}" type="datetimeFigureOut">
               <a:rPr lang="en-US" smtClean="0"/>
-              <a:t>5/2/22</a:t>
+              <a:t>5/15/23</a:t>
             </a:fld>
             <a:endParaRPr lang="en-US"/>
           </a:p>
@@ -1416,7 +1416,7 @@
           <a:p>
             <a:fld id="{233E2962-3972-0441-AA79-DE2591D47C81}" type="datetimeFigureOut">
               <a:rPr lang="en-US" smtClean="0"/>
-              <a:t>5/2/22</a:t>
+              <a:t>5/15/23</a:t>
             </a:fld>
             <a:endParaRPr lang="en-US"/>
           </a:p>
@@ -1831,7 +1831,7 @@
           <a:p>
             <a:fld id="{233E2962-3972-0441-AA79-DE2591D47C81}" type="datetimeFigureOut">
               <a:rPr lang="en-US" smtClean="0"/>
-              <a:t>5/2/22</a:t>
+              <a:t>5/15/23</a:t>
             </a:fld>
             <a:endParaRPr lang="en-US"/>
           </a:p>
@@ -1973,7 +1973,7 @@
           <a:p>
             <a:fld id="{233E2962-3972-0441-AA79-DE2591D47C81}" type="datetimeFigureOut">
               <a:rPr lang="en-US" smtClean="0"/>
-              <a:t>5/2/22</a:t>
+              <a:t>5/15/23</a:t>
             </a:fld>
             <a:endParaRPr lang="en-US"/>
           </a:p>
@@ -2086,7 +2086,7 @@
           <a:p>
             <a:fld id="{233E2962-3972-0441-AA79-DE2591D47C81}" type="datetimeFigureOut">
               <a:rPr lang="en-US" smtClean="0"/>
-              <a:t>5/2/22</a:t>
+              <a:t>5/15/23</a:t>
             </a:fld>
             <a:endParaRPr lang="en-US"/>
           </a:p>
@@ -2399,7 +2399,7 @@
           <a:p>
             <a:fld id="{233E2962-3972-0441-AA79-DE2591D47C81}" type="datetimeFigureOut">
               <a:rPr lang="en-US" smtClean="0"/>
-              <a:t>5/2/22</a:t>
+              <a:t>5/15/23</a:t>
             </a:fld>
             <a:endParaRPr lang="en-US"/>
           </a:p>
@@ -2688,7 +2688,7 @@
           <a:p>
             <a:fld id="{233E2962-3972-0441-AA79-DE2591D47C81}" type="datetimeFigureOut">
               <a:rPr lang="en-US" smtClean="0"/>
-              <a:t>5/2/22</a:t>
+              <a:t>5/15/23</a:t>
             </a:fld>
             <a:endParaRPr lang="en-US"/>
           </a:p>
@@ -2931,7 +2931,7 @@
           <a:p>
             <a:fld id="{233E2962-3972-0441-AA79-DE2591D47C81}" type="datetimeFigureOut">
               <a:rPr lang="en-US" smtClean="0"/>
-              <a:t>5/2/22</a:t>
+              <a:t>5/15/23</a:t>
             </a:fld>
             <a:endParaRPr lang="en-US"/>
           </a:p>
@@ -7594,7 +7594,7 @@
         <p:spPr>
           <a:xfrm>
             <a:off x="184935" y="1767155"/>
-            <a:ext cx="6118983" cy="369332"/>
+            <a:ext cx="5960286" cy="369332"/>
           </a:xfrm>
           <a:prstGeom prst="rect">
             <a:avLst/>
@@ -7613,7 +7613,7 @@
                   <a:srgbClr val="FF0000"/>
                 </a:solidFill>
               </a:rPr>
-              <a:t>53%                                 56%                          72%                  83% </a:t>
+              <a:t>53%                              56%                            72%                     83% </a:t>
             </a:r>
           </a:p>
         </p:txBody>
@@ -7671,7 +7671,7 @@
         </p:nvSpPr>
         <p:spPr>
           <a:xfrm>
-            <a:off x="7827195" y="799672"/>
+            <a:off x="7868291" y="799672"/>
             <a:ext cx="583814" cy="369332"/>
           </a:xfrm>
           <a:prstGeom prst="rect">
@@ -7691,7 +7691,7 @@
                   <a:srgbClr val="FF0000"/>
                 </a:solidFill>
               </a:rPr>
-              <a:t>92%</a:t>
+              <a:t>83%</a:t>
             </a:r>
           </a:p>
         </p:txBody>
@@ -7731,6 +7731,45 @@
                 </a:solidFill>
               </a:rPr>
               <a:t>92%</a:t>
+            </a:r>
+          </a:p>
+        </p:txBody>
+      </p:sp>
+      <p:sp>
+        <p:nvSpPr>
+          <p:cNvPr id="2" name="TextBox 1">
+            <a:extLst>
+              <a:ext uri="{FF2B5EF4-FFF2-40B4-BE49-F238E27FC236}">
+                <a16:creationId xmlns:a16="http://schemas.microsoft.com/office/drawing/2014/main" id="{5E44E059-8FAC-1182-FEB1-913A2A15CC27}"/>
+              </a:ext>
+            </a:extLst>
+          </p:cNvPr>
+          <p:cNvSpPr txBox="1"/>
+          <p:nvPr/>
+        </p:nvSpPr>
+        <p:spPr>
+          <a:xfrm>
+            <a:off x="9748332" y="3738455"/>
+            <a:ext cx="583814" cy="369332"/>
+          </a:xfrm>
+          <a:prstGeom prst="rect">
+            <a:avLst/>
+          </a:prstGeom>
+          <a:noFill/>
+        </p:spPr>
+        <p:txBody>
+          <a:bodyPr wrap="none" rtlCol="0">
+            <a:spAutoFit/>
+          </a:bodyPr>
+          <a:lstStyle/>
+          <a:p>
+            <a:r>
+              <a:rPr lang="en-CL" dirty="0">
+                <a:solidFill>
+                  <a:srgbClr val="FF0000"/>
+                </a:solidFill>
+              </a:rPr>
+              <a:t>94%</a:t>
             </a:r>
           </a:p>
         </p:txBody>

--- a/clases/Cap03_Seleccion_de_Caracteristicas/presentations/PAT03_Ejercicio08.pptx
+++ b/clases/Cap03_Seleccion_de_Caracteristicas/presentations/PAT03_Ejercicio08.pptx
@@ -262,7 +262,7 @@
           <a:p>
             <a:fld id="{233E2962-3972-0441-AA79-DE2591D47C81}" type="datetimeFigureOut">
               <a:rPr lang="en-US" smtClean="0"/>
-              <a:t>5/15/23</a:t>
+              <a:t>5/10/24</a:t>
             </a:fld>
             <a:endParaRPr lang="en-US"/>
           </a:p>
@@ -462,7 +462,7 @@
           <a:p>
             <a:fld id="{233E2962-3972-0441-AA79-DE2591D47C81}" type="datetimeFigureOut">
               <a:rPr lang="en-US" smtClean="0"/>
-              <a:t>5/15/23</a:t>
+              <a:t>5/10/24</a:t>
             </a:fld>
             <a:endParaRPr lang="en-US"/>
           </a:p>
@@ -672,7 +672,7 @@
           <a:p>
             <a:fld id="{233E2962-3972-0441-AA79-DE2591D47C81}" type="datetimeFigureOut">
               <a:rPr lang="en-US" smtClean="0"/>
-              <a:t>5/15/23</a:t>
+              <a:t>5/10/24</a:t>
             </a:fld>
             <a:endParaRPr lang="en-US"/>
           </a:p>
@@ -872,7 +872,7 @@
           <a:p>
             <a:fld id="{233E2962-3972-0441-AA79-DE2591D47C81}" type="datetimeFigureOut">
               <a:rPr lang="en-US" smtClean="0"/>
-              <a:t>5/15/23</a:t>
+              <a:t>5/10/24</a:t>
             </a:fld>
             <a:endParaRPr lang="en-US"/>
           </a:p>
@@ -1148,7 +1148,7 @@
           <a:p>
             <a:fld id="{233E2962-3972-0441-AA79-DE2591D47C81}" type="datetimeFigureOut">
               <a:rPr lang="en-US" smtClean="0"/>
-              <a:t>5/15/23</a:t>
+              <a:t>5/10/24</a:t>
             </a:fld>
             <a:endParaRPr lang="en-US"/>
           </a:p>
@@ -1416,7 +1416,7 @@
           <a:p>
             <a:fld id="{233E2962-3972-0441-AA79-DE2591D47C81}" type="datetimeFigureOut">
               <a:rPr lang="en-US" smtClean="0"/>
-              <a:t>5/15/23</a:t>
+              <a:t>5/10/24</a:t>
             </a:fld>
             <a:endParaRPr lang="en-US"/>
           </a:p>
@@ -1831,7 +1831,7 @@
           <a:p>
             <a:fld id="{233E2962-3972-0441-AA79-DE2591D47C81}" type="datetimeFigureOut">
               <a:rPr lang="en-US" smtClean="0"/>
-              <a:t>5/15/23</a:t>
+              <a:t>5/10/24</a:t>
             </a:fld>
             <a:endParaRPr lang="en-US"/>
           </a:p>
@@ -1973,7 +1973,7 @@
           <a:p>
             <a:fld id="{233E2962-3972-0441-AA79-DE2591D47C81}" type="datetimeFigureOut">
               <a:rPr lang="en-US" smtClean="0"/>
-              <a:t>5/15/23</a:t>
+              <a:t>5/10/24</a:t>
             </a:fld>
             <a:endParaRPr lang="en-US"/>
           </a:p>
@@ -2086,7 +2086,7 @@
           <a:p>
             <a:fld id="{233E2962-3972-0441-AA79-DE2591D47C81}" type="datetimeFigureOut">
               <a:rPr lang="en-US" smtClean="0"/>
-              <a:t>5/15/23</a:t>
+              <a:t>5/10/24</a:t>
             </a:fld>
             <a:endParaRPr lang="en-US"/>
           </a:p>
@@ -2399,7 +2399,7 @@
           <a:p>
             <a:fld id="{233E2962-3972-0441-AA79-DE2591D47C81}" type="datetimeFigureOut">
               <a:rPr lang="en-US" smtClean="0"/>
-              <a:t>5/15/23</a:t>
+              <a:t>5/10/24</a:t>
             </a:fld>
             <a:endParaRPr lang="en-US"/>
           </a:p>
@@ -2688,7 +2688,7 @@
           <a:p>
             <a:fld id="{233E2962-3972-0441-AA79-DE2591D47C81}" type="datetimeFigureOut">
               <a:rPr lang="en-US" smtClean="0"/>
-              <a:t>5/15/23</a:t>
+              <a:t>5/10/24</a:t>
             </a:fld>
             <a:endParaRPr lang="en-US"/>
           </a:p>
@@ -2931,7 +2931,7 @@
           <a:p>
             <a:fld id="{233E2962-3972-0441-AA79-DE2591D47C81}" type="datetimeFigureOut">
               <a:rPr lang="en-US" smtClean="0"/>
-              <a:t>5/15/23</a:t>
+              <a:t>5/10/24</a:t>
             </a:fld>
             <a:endParaRPr lang="en-US"/>
           </a:p>
@@ -5458,13 +5458,26 @@
           <a:lstStyle/>
           <a:p>
             <a:r>
-              <a:rPr lang="en-CL" dirty="0">
+              <a:rPr lang="en-AU" dirty="0">
                 <a:solidFill>
                   <a:srgbClr val="FF0000"/>
                 </a:solidFill>
               </a:rPr>
-              <a:t>53%</a:t>
-            </a:r>
+              <a:t>42</a:t>
+            </a:r>
+            <a:r>
+              <a:rPr lang="en-CL">
+                <a:solidFill>
+                  <a:srgbClr val="FF0000"/>
+                </a:solidFill>
+              </a:rPr>
+              <a:t>%</a:t>
+            </a:r>
+            <a:endParaRPr lang="en-CL" dirty="0">
+              <a:solidFill>
+                <a:srgbClr val="FF0000"/>
+              </a:solidFill>
+            </a:endParaRPr>
           </a:p>
         </p:txBody>
       </p:sp>
@@ -7608,22 +7621,175 @@
           <a:lstStyle/>
           <a:p>
             <a:r>
+              <a:rPr lang="en-AU" dirty="0">
+                <a:solidFill>
+                  <a:srgbClr val="FF0000"/>
+                </a:solidFill>
+              </a:rPr>
+              <a:t>42</a:t>
+            </a:r>
+            <a:r>
+              <a:rPr lang="en-CL">
+                <a:solidFill>
+                  <a:srgbClr val="FF0000"/>
+                </a:solidFill>
+              </a:rPr>
+              <a:t>%                              5</a:t>
+            </a:r>
+            <a:r>
+              <a:rPr lang="en-AU" dirty="0">
+                <a:solidFill>
+                  <a:srgbClr val="FF0000"/>
+                </a:solidFill>
+              </a:rPr>
+              <a:t>3</a:t>
+            </a:r>
+            <a:r>
+              <a:rPr lang="en-CL">
+                <a:solidFill>
+                  <a:srgbClr val="FF0000"/>
+                </a:solidFill>
+              </a:rPr>
+              <a:t>%                            7</a:t>
+            </a:r>
+            <a:r>
+              <a:rPr lang="en-AU" dirty="0">
+                <a:solidFill>
+                  <a:srgbClr val="FF0000"/>
+                </a:solidFill>
+              </a:rPr>
+              <a:t>5</a:t>
+            </a:r>
+            <a:r>
+              <a:rPr lang="en-CL">
+                <a:solidFill>
+                  <a:srgbClr val="FF0000"/>
+                </a:solidFill>
+              </a:rPr>
+              <a:t>%                   </a:t>
+            </a:r>
+            <a:r>
+              <a:rPr lang="en-AU" dirty="0">
+                <a:solidFill>
+                  <a:srgbClr val="FF0000"/>
+                </a:solidFill>
+              </a:rPr>
+              <a:t>  78</a:t>
+            </a:r>
+            <a:r>
+              <a:rPr lang="en-CL">
+                <a:solidFill>
+                  <a:srgbClr val="FF0000"/>
+                </a:solidFill>
+              </a:rPr>
+              <a:t>% </a:t>
+            </a:r>
+            <a:endParaRPr lang="en-CL" dirty="0">
+              <a:solidFill>
+                <a:srgbClr val="FF0000"/>
+              </a:solidFill>
+            </a:endParaRPr>
+          </a:p>
+        </p:txBody>
+      </p:sp>
+      <p:sp>
+        <p:nvSpPr>
+          <p:cNvPr id="55" name="TextBox 54">
+            <a:extLst>
+              <a:ext uri="{FF2B5EF4-FFF2-40B4-BE49-F238E27FC236}">
+                <a16:creationId xmlns:a16="http://schemas.microsoft.com/office/drawing/2014/main" id="{E3827737-8C61-4360-3F09-83AE7290DD95}"/>
+              </a:ext>
+            </a:extLst>
+          </p:cNvPr>
+          <p:cNvSpPr txBox="1"/>
+          <p:nvPr/>
+        </p:nvSpPr>
+        <p:spPr>
+          <a:xfrm>
+            <a:off x="7929937" y="2063393"/>
+            <a:ext cx="3974165" cy="369332"/>
+          </a:xfrm>
+          <a:prstGeom prst="rect">
+            <a:avLst/>
+          </a:prstGeom>
+          <a:noFill/>
+        </p:spPr>
+        <p:txBody>
+          <a:bodyPr wrap="none" rtlCol="0">
+            <a:spAutoFit/>
+          </a:bodyPr>
+          <a:lstStyle/>
+          <a:p>
+            <a:r>
+              <a:rPr lang="en-CL">
+                <a:solidFill>
+                  <a:srgbClr val="FF0000"/>
+                </a:solidFill>
+              </a:rPr>
+              <a:t>9</a:t>
+            </a:r>
+            <a:r>
+              <a:rPr lang="en-AU" dirty="0">
+                <a:solidFill>
+                  <a:srgbClr val="FF0000"/>
+                </a:solidFill>
+              </a:rPr>
+              <a:t>4</a:t>
+            </a:r>
+            <a:r>
+              <a:rPr lang="en-CL">
+                <a:solidFill>
+                  <a:srgbClr val="FF0000"/>
+                </a:solidFill>
+              </a:rPr>
+              <a:t>%                         </a:t>
+            </a:r>
+            <a:r>
               <a:rPr lang="en-CL" dirty="0">
                 <a:solidFill>
                   <a:srgbClr val="FF0000"/>
                 </a:solidFill>
               </a:rPr>
-              <a:t>53%                              56%                            72%                     83% </a:t>
-            </a:r>
-          </a:p>
-        </p:txBody>
-      </p:sp>
-      <p:sp>
-        <p:nvSpPr>
-          <p:cNvPr id="55" name="TextBox 54">
-            <a:extLst>
-              <a:ext uri="{FF2B5EF4-FFF2-40B4-BE49-F238E27FC236}">
-                <a16:creationId xmlns:a16="http://schemas.microsoft.com/office/drawing/2014/main" id="{E3827737-8C61-4360-3F09-83AE7290DD95}"/>
+              <a:t>94</a:t>
+            </a:r>
+            <a:r>
+              <a:rPr lang="en-CL">
+                <a:solidFill>
+                  <a:srgbClr val="FF0000"/>
+                </a:solidFill>
+              </a:rPr>
+              <a:t>%                       </a:t>
+            </a:r>
+            <a:r>
+              <a:rPr lang="en-AU">
+                <a:solidFill>
+                  <a:srgbClr val="FF0000"/>
+                </a:solidFill>
+              </a:rPr>
+              <a:t> 97</a:t>
+            </a:r>
+            <a:r>
+              <a:rPr lang="en-CL">
+                <a:solidFill>
+                  <a:srgbClr val="FF0000"/>
+                </a:solidFill>
+              </a:rPr>
+              <a:t>%</a:t>
+            </a:r>
+            <a:endParaRPr lang="en-CL" dirty="0">
+              <a:solidFill>
+                <a:srgbClr val="FF0000"/>
+              </a:solidFill>
+            </a:endParaRPr>
+          </a:p>
+        </p:txBody>
+      </p:sp>
+      <p:sp>
+        <p:nvSpPr>
+          <p:cNvPr id="58" name="TextBox 57">
+            <a:extLst>
+              <a:ext uri="{FF2B5EF4-FFF2-40B4-BE49-F238E27FC236}">
+                <a16:creationId xmlns:a16="http://schemas.microsoft.com/office/drawing/2014/main" id="{1710B1A0-5539-E6B7-A637-7C954D32A8AA}"/>
               </a:ext>
             </a:extLst>
           </p:cNvPr>
@@ -7632,8 +7798,8 @@
         </p:nvSpPr>
         <p:spPr>
           <a:xfrm>
-            <a:off x="7929937" y="2063393"/>
-            <a:ext cx="4038285" cy="369332"/>
+            <a:off x="7868291" y="799672"/>
+            <a:ext cx="583814" cy="369332"/>
           </a:xfrm>
           <a:prstGeom prst="rect">
             <a:avLst/>
@@ -7647,52 +7813,26 @@
           <a:lstStyle/>
           <a:p>
             <a:r>
-              <a:rPr lang="en-CL" dirty="0">
+              <a:rPr lang="en-AU" dirty="0">
                 <a:solidFill>
                   <a:srgbClr val="FF0000"/>
                 </a:solidFill>
               </a:rPr>
-              <a:t>92%                         94%                       100%</a:t>
-            </a:r>
-          </a:p>
-        </p:txBody>
-      </p:sp>
-      <p:sp>
-        <p:nvSpPr>
-          <p:cNvPr id="58" name="TextBox 57">
-            <a:extLst>
-              <a:ext uri="{FF2B5EF4-FFF2-40B4-BE49-F238E27FC236}">
-                <a16:creationId xmlns:a16="http://schemas.microsoft.com/office/drawing/2014/main" id="{1710B1A0-5539-E6B7-A637-7C954D32A8AA}"/>
-              </a:ext>
-            </a:extLst>
-          </p:cNvPr>
-          <p:cNvSpPr txBox="1"/>
-          <p:nvPr/>
-        </p:nvSpPr>
-        <p:spPr>
-          <a:xfrm>
-            <a:off x="7868291" y="799672"/>
-            <a:ext cx="583814" cy="369332"/>
-          </a:xfrm>
-          <a:prstGeom prst="rect">
-            <a:avLst/>
-          </a:prstGeom>
-          <a:noFill/>
-        </p:spPr>
-        <p:txBody>
-          <a:bodyPr wrap="none" rtlCol="0">
-            <a:spAutoFit/>
-          </a:bodyPr>
-          <a:lstStyle/>
-          <a:p>
-            <a:r>
-              <a:rPr lang="en-CL" dirty="0">
+              <a:t>69</a:t>
+            </a:r>
+            <a:r>
+              <a:rPr lang="en-CL">
                 <a:solidFill>
                   <a:srgbClr val="FF0000"/>
                 </a:solidFill>
               </a:rPr>
-              <a:t>83%</a:t>
-            </a:r>
+              <a:t>%</a:t>
+            </a:r>
+            <a:endParaRPr lang="en-CL" dirty="0">
+              <a:solidFill>
+                <a:srgbClr val="FF0000"/>
+              </a:solidFill>
+            </a:endParaRPr>
           </a:p>
         </p:txBody>
       </p:sp>
